--- a/files/tools/decks/Design & Ethics_FacilitationDeck.pptx
+++ b/files/tools/decks/Design & Ethics_FacilitationDeck.pptx
@@ -758,7 +758,7 @@
   <p:cSld>
     <p:spTree>
       <p:nvGrpSpPr>
-        <p:cNvPr id="100" name="Shape 100"/>
+        <p:cNvPr id="93" name="Shape 93"/>
         <p:cNvGrpSpPr/>
         <p:nvPr/>
       </p:nvGrpSpPr>
@@ -772,7 +772,7 @@
       </p:grpSpPr>
       <p:sp>
         <p:nvSpPr>
-          <p:cNvPr id="101" name="Google Shape;101;g51cf90a455_0_1540:notes"/>
+          <p:cNvPr id="94" name="Google Shape;94;g51cf90a455_0_1540:notes"/>
           <p:cNvSpPr/>
           <p:nvPr>
             <p:ph idx="2" type="sldImg"/>
@@ -807,7 +807,7 @@
       </p:sp>
       <p:sp>
         <p:nvSpPr>
-          <p:cNvPr id="102" name="Google Shape;102;g51cf90a455_0_1540:notes"/>
+          <p:cNvPr id="95" name="Google Shape;95;g51cf90a455_0_1540:notes"/>
           <p:cNvSpPr txBox="1"/>
           <p:nvPr>
             <p:ph idx="1" type="body"/>
@@ -857,7 +857,7 @@
   <p:cSld>
     <p:spTree>
       <p:nvGrpSpPr>
-        <p:cNvPr id="191" name="Shape 191"/>
+        <p:cNvPr id="183" name="Shape 183"/>
         <p:cNvGrpSpPr/>
         <p:nvPr/>
       </p:nvGrpSpPr>
@@ -871,7 +871,7 @@
       </p:grpSpPr>
       <p:sp>
         <p:nvSpPr>
-          <p:cNvPr id="192" name="Google Shape;192;g60c670f8ba_0_159:notes"/>
+          <p:cNvPr id="184" name="Google Shape;184;g60c670f8ba_0_159:notes"/>
           <p:cNvSpPr/>
           <p:nvPr>
             <p:ph idx="2" type="sldImg"/>
@@ -906,7 +906,7 @@
       </p:sp>
       <p:sp>
         <p:nvSpPr>
-          <p:cNvPr id="193" name="Google Shape;193;g60c670f8ba_0_159:notes"/>
+          <p:cNvPr id="185" name="Google Shape;185;g60c670f8ba_0_159:notes"/>
           <p:cNvSpPr txBox="1"/>
           <p:nvPr>
             <p:ph idx="1" type="body"/>
@@ -956,7 +956,7 @@
   <p:cSld>
     <p:spTree>
       <p:nvGrpSpPr>
-        <p:cNvPr id="200" name="Shape 200"/>
+        <p:cNvPr id="192" name="Shape 192"/>
         <p:cNvGrpSpPr/>
         <p:nvPr/>
       </p:nvGrpSpPr>
@@ -970,7 +970,7 @@
       </p:grpSpPr>
       <p:sp>
         <p:nvSpPr>
-          <p:cNvPr id="201" name="Google Shape;201;g60c670f8ba_0_168:notes"/>
+          <p:cNvPr id="193" name="Google Shape;193;g60c670f8ba_0_168:notes"/>
           <p:cNvSpPr/>
           <p:nvPr>
             <p:ph idx="2" type="sldImg"/>
@@ -1005,7 +1005,7 @@
       </p:sp>
       <p:sp>
         <p:nvSpPr>
-          <p:cNvPr id="202" name="Google Shape;202;g60c670f8ba_0_168:notes"/>
+          <p:cNvPr id="194" name="Google Shape;194;g60c670f8ba_0_168:notes"/>
           <p:cNvSpPr txBox="1"/>
           <p:nvPr>
             <p:ph idx="1" type="body"/>
@@ -1084,7 +1084,7 @@
   <p:cSld>
     <p:spTree>
       <p:nvGrpSpPr>
-        <p:cNvPr id="206" name="Shape 206"/>
+        <p:cNvPr id="202" name="Shape 202"/>
         <p:cNvGrpSpPr/>
         <p:nvPr/>
       </p:nvGrpSpPr>
@@ -1098,7 +1098,7 @@
       </p:grpSpPr>
       <p:sp>
         <p:nvSpPr>
-          <p:cNvPr id="207" name="Google Shape;207;g6027d6c3c2_0_36:notes"/>
+          <p:cNvPr id="203" name="Google Shape;203;g6027d6c3c2_0_36:notes"/>
           <p:cNvSpPr/>
           <p:nvPr>
             <p:ph idx="2" type="sldImg"/>
@@ -1133,7 +1133,7 @@
       </p:sp>
       <p:sp>
         <p:nvSpPr>
-          <p:cNvPr id="208" name="Google Shape;208;g6027d6c3c2_0_36:notes"/>
+          <p:cNvPr id="204" name="Google Shape;204;g6027d6c3c2_0_36:notes"/>
           <p:cNvSpPr txBox="1"/>
           <p:nvPr>
             <p:ph idx="1" type="body"/>
@@ -1311,7 +1311,7 @@
   <p:cSld>
     <p:spTree>
       <p:nvGrpSpPr>
-        <p:cNvPr id="110" name="Shape 110"/>
+        <p:cNvPr id="103" name="Shape 103"/>
         <p:cNvGrpSpPr/>
         <p:nvPr/>
       </p:nvGrpSpPr>
@@ -1325,7 +1325,7 @@
       </p:grpSpPr>
       <p:sp>
         <p:nvSpPr>
-          <p:cNvPr id="111" name="Google Shape;111;g60c670f8ba_0_0:notes"/>
+          <p:cNvPr id="104" name="Google Shape;104;g60c670f8ba_0_0:notes"/>
           <p:cNvSpPr/>
           <p:nvPr>
             <p:ph idx="2" type="sldImg"/>
@@ -1360,7 +1360,7 @@
       </p:sp>
       <p:sp>
         <p:nvSpPr>
-          <p:cNvPr id="112" name="Google Shape;112;g60c670f8ba_0_0:notes"/>
+          <p:cNvPr id="105" name="Google Shape;105;g60c670f8ba_0_0:notes"/>
           <p:cNvSpPr txBox="1"/>
           <p:nvPr>
             <p:ph idx="1" type="body"/>
@@ -1410,7 +1410,7 @@
   <p:cSld>
     <p:spTree>
       <p:nvGrpSpPr>
-        <p:cNvPr id="119" name="Shape 119"/>
+        <p:cNvPr id="112" name="Shape 112"/>
         <p:cNvGrpSpPr/>
         <p:nvPr/>
       </p:nvGrpSpPr>
@@ -1424,7 +1424,7 @@
       </p:grpSpPr>
       <p:sp>
         <p:nvSpPr>
-          <p:cNvPr id="120" name="Google Shape;120;g60c670f8ba_0_10:notes"/>
+          <p:cNvPr id="113" name="Google Shape;113;g60c670f8ba_0_10:notes"/>
           <p:cNvSpPr/>
           <p:nvPr>
             <p:ph idx="2" type="sldImg"/>
@@ -1459,7 +1459,7 @@
       </p:sp>
       <p:sp>
         <p:nvSpPr>
-          <p:cNvPr id="121" name="Google Shape;121;g60c670f8ba_0_10:notes"/>
+          <p:cNvPr id="114" name="Google Shape;114;g60c670f8ba_0_10:notes"/>
           <p:cNvSpPr txBox="1"/>
           <p:nvPr>
             <p:ph idx="1" type="body"/>
@@ -1509,7 +1509,7 @@
   <p:cSld>
     <p:spTree>
       <p:nvGrpSpPr>
-        <p:cNvPr id="128" name="Shape 128"/>
+        <p:cNvPr id="121" name="Shape 121"/>
         <p:cNvGrpSpPr/>
         <p:nvPr/>
       </p:nvGrpSpPr>
@@ -1523,7 +1523,7 @@
       </p:grpSpPr>
       <p:sp>
         <p:nvSpPr>
-          <p:cNvPr id="129" name="Google Shape;129;g60c670f8ba_0_215:notes"/>
+          <p:cNvPr id="122" name="Google Shape;122;g60c670f8ba_0_215:notes"/>
           <p:cNvSpPr/>
           <p:nvPr>
             <p:ph idx="2" type="sldImg"/>
@@ -1558,7 +1558,7 @@
       </p:sp>
       <p:sp>
         <p:nvSpPr>
-          <p:cNvPr id="130" name="Google Shape;130;g60c670f8ba_0_215:notes"/>
+          <p:cNvPr id="123" name="Google Shape;123;g60c670f8ba_0_215:notes"/>
           <p:cNvSpPr txBox="1"/>
           <p:nvPr>
             <p:ph idx="1" type="body"/>
@@ -1608,7 +1608,7 @@
   <p:cSld>
     <p:spTree>
       <p:nvGrpSpPr>
-        <p:cNvPr id="137" name="Shape 137"/>
+        <p:cNvPr id="130" name="Shape 130"/>
         <p:cNvGrpSpPr/>
         <p:nvPr/>
       </p:nvGrpSpPr>
@@ -1622,7 +1622,7 @@
       </p:grpSpPr>
       <p:sp>
         <p:nvSpPr>
-          <p:cNvPr id="138" name="Google Shape;138;g60c670f8ba_0_223:notes"/>
+          <p:cNvPr id="131" name="Google Shape;131;g60c670f8ba_0_223:notes"/>
           <p:cNvSpPr/>
           <p:nvPr>
             <p:ph idx="2" type="sldImg"/>
@@ -1657,7 +1657,7 @@
       </p:sp>
       <p:sp>
         <p:nvSpPr>
-          <p:cNvPr id="139" name="Google Shape;139;g60c670f8ba_0_223:notes"/>
+          <p:cNvPr id="132" name="Google Shape;132;g60c670f8ba_0_223:notes"/>
           <p:cNvSpPr txBox="1"/>
           <p:nvPr>
             <p:ph idx="1" type="body"/>
@@ -1707,7 +1707,7 @@
   <p:cSld>
     <p:spTree>
       <p:nvGrpSpPr>
-        <p:cNvPr id="151" name="Shape 151"/>
+        <p:cNvPr id="144" name="Shape 144"/>
         <p:cNvGrpSpPr/>
         <p:nvPr/>
       </p:nvGrpSpPr>
@@ -1721,7 +1721,7 @@
       </p:grpSpPr>
       <p:sp>
         <p:nvSpPr>
-          <p:cNvPr id="152" name="Google Shape;152;g60c670f8ba_0_46:notes"/>
+          <p:cNvPr id="145" name="Google Shape;145;g60c670f8ba_0_46:notes"/>
           <p:cNvSpPr/>
           <p:nvPr>
             <p:ph idx="2" type="sldImg"/>
@@ -1756,7 +1756,7 @@
       </p:sp>
       <p:sp>
         <p:nvSpPr>
-          <p:cNvPr id="153" name="Google Shape;153;g60c670f8ba_0_46:notes"/>
+          <p:cNvPr id="146" name="Google Shape;146;g60c670f8ba_0_46:notes"/>
           <p:cNvSpPr txBox="1"/>
           <p:nvPr>
             <p:ph idx="1" type="body"/>
@@ -1807,7 +1807,7 @@
   <p:cSld>
     <p:spTree>
       <p:nvGrpSpPr>
-        <p:cNvPr id="162" name="Shape 162"/>
+        <p:cNvPr id="155" name="Shape 155"/>
         <p:cNvGrpSpPr/>
         <p:nvPr/>
       </p:nvGrpSpPr>
@@ -1821,7 +1821,7 @@
       </p:grpSpPr>
       <p:sp>
         <p:nvSpPr>
-          <p:cNvPr id="163" name="Google Shape;163;g60c670f8ba_0_244:notes"/>
+          <p:cNvPr id="156" name="Google Shape;156;g60c670f8ba_0_244:notes"/>
           <p:cNvSpPr/>
           <p:nvPr>
             <p:ph idx="2" type="sldImg"/>
@@ -1856,7 +1856,7 @@
       </p:sp>
       <p:sp>
         <p:nvSpPr>
-          <p:cNvPr id="164" name="Google Shape;164;g60c670f8ba_0_244:notes"/>
+          <p:cNvPr id="157" name="Google Shape;157;g60c670f8ba_0_244:notes"/>
           <p:cNvSpPr txBox="1"/>
           <p:nvPr>
             <p:ph idx="1" type="body"/>
@@ -1906,7 +1906,7 @@
   <p:cSld>
     <p:spTree>
       <p:nvGrpSpPr>
-        <p:cNvPr id="171" name="Shape 171"/>
+        <p:cNvPr id="164" name="Shape 164"/>
         <p:cNvGrpSpPr/>
         <p:nvPr/>
       </p:nvGrpSpPr>
@@ -1920,7 +1920,7 @@
       </p:grpSpPr>
       <p:sp>
         <p:nvSpPr>
-          <p:cNvPr id="172" name="Google Shape;172;g60c670f8ba_0_252:notes"/>
+          <p:cNvPr id="165" name="Google Shape;165;g60c670f8ba_0_252:notes"/>
           <p:cNvSpPr/>
           <p:nvPr>
             <p:ph idx="2" type="sldImg"/>
@@ -1955,7 +1955,7 @@
       </p:sp>
       <p:sp>
         <p:nvSpPr>
-          <p:cNvPr id="173" name="Google Shape;173;g60c670f8ba_0_252:notes"/>
+          <p:cNvPr id="166" name="Google Shape;166;g60c670f8ba_0_252:notes"/>
           <p:cNvSpPr txBox="1"/>
           <p:nvPr>
             <p:ph idx="1" type="body"/>
@@ -2006,7 +2006,7 @@
   <p:cSld>
     <p:spTree>
       <p:nvGrpSpPr>
-        <p:cNvPr id="182" name="Shape 182"/>
+        <p:cNvPr id="174" name="Shape 174"/>
         <p:cNvGrpSpPr/>
         <p:nvPr/>
       </p:nvGrpSpPr>
@@ -2020,7 +2020,7 @@
       </p:grpSpPr>
       <p:sp>
         <p:nvSpPr>
-          <p:cNvPr id="183" name="Google Shape;183;g60c670f8ba_0_151:notes"/>
+          <p:cNvPr id="175" name="Google Shape;175;g60c670f8ba_0_151:notes"/>
           <p:cNvSpPr/>
           <p:nvPr>
             <p:ph idx="2" type="sldImg"/>
@@ -2055,7 +2055,7 @@
       </p:sp>
       <p:sp>
         <p:nvSpPr>
-          <p:cNvPr id="184" name="Google Shape;184;g60c670f8ba_0_151:notes"/>
+          <p:cNvPr id="176" name="Google Shape;176;g60c670f8ba_0_151:notes"/>
           <p:cNvSpPr txBox="1"/>
           <p:nvPr>
             <p:ph idx="1" type="body"/>
@@ -2942,7 +2942,7 @@
   <p:cSld name="TITLE">
     <p:spTree>
       <p:nvGrpSpPr>
-        <p:cNvPr id="59" name="Shape 59"/>
+        <p:cNvPr id="52" name="Shape 52"/>
         <p:cNvGrpSpPr/>
         <p:nvPr/>
       </p:nvGrpSpPr>
@@ -2956,7 +2956,7 @@
       </p:grpSpPr>
       <p:sp>
         <p:nvSpPr>
-          <p:cNvPr id="60" name="Google Shape;60;p14"/>
+          <p:cNvPr id="53" name="Google Shape;53;p14"/>
           <p:cNvSpPr txBox="1"/>
           <p:nvPr>
             <p:ph type="ctrTitle"/>
@@ -3085,7 +3085,7 @@
       </p:sp>
       <p:sp>
         <p:nvSpPr>
-          <p:cNvPr id="61" name="Google Shape;61;p14"/>
+          <p:cNvPr id="54" name="Google Shape;54;p14"/>
           <p:cNvSpPr txBox="1"/>
           <p:nvPr>
             <p:ph idx="1" type="subTitle"/>
@@ -3241,7 +3241,7 @@
       </p:sp>
       <p:sp>
         <p:nvSpPr>
-          <p:cNvPr id="62" name="Google Shape;62;p14"/>
+          <p:cNvPr id="55" name="Google Shape;55;p14"/>
           <p:cNvSpPr txBox="1"/>
           <p:nvPr>
             <p:ph idx="12" type="sldNum"/>
@@ -3329,7 +3329,7 @@
   <p:cSld name="SECTION_HEADER">
     <p:spTree>
       <p:nvGrpSpPr>
-        <p:cNvPr id="63" name="Shape 63"/>
+        <p:cNvPr id="56" name="Shape 56"/>
         <p:cNvGrpSpPr/>
         <p:nvPr/>
       </p:nvGrpSpPr>
@@ -3343,7 +3343,7 @@
       </p:grpSpPr>
       <p:sp>
         <p:nvSpPr>
-          <p:cNvPr id="64" name="Google Shape;64;p15"/>
+          <p:cNvPr id="57" name="Google Shape;57;p15"/>
           <p:cNvSpPr txBox="1"/>
           <p:nvPr>
             <p:ph type="title"/>
@@ -3472,7 +3472,7 @@
       </p:sp>
       <p:sp>
         <p:nvSpPr>
-          <p:cNvPr id="65" name="Google Shape;65;p15"/>
+          <p:cNvPr id="58" name="Google Shape;58;p15"/>
           <p:cNvSpPr txBox="1"/>
           <p:nvPr>
             <p:ph idx="12" type="sldNum"/>
@@ -3560,7 +3560,7 @@
   <p:cSld name="TITLE_AND_BODY">
     <p:spTree>
       <p:nvGrpSpPr>
-        <p:cNvPr id="66" name="Shape 66"/>
+        <p:cNvPr id="59" name="Shape 59"/>
         <p:cNvGrpSpPr/>
         <p:nvPr/>
       </p:nvGrpSpPr>
@@ -3574,7 +3574,7 @@
       </p:grpSpPr>
       <p:sp>
         <p:nvSpPr>
-          <p:cNvPr id="67" name="Google Shape;67;p16"/>
+          <p:cNvPr id="60" name="Google Shape;60;p16"/>
           <p:cNvSpPr txBox="1"/>
           <p:nvPr>
             <p:ph type="title"/>
@@ -3703,7 +3703,7 @@
       </p:sp>
       <p:sp>
         <p:nvSpPr>
-          <p:cNvPr id="68" name="Google Shape;68;p16"/>
+          <p:cNvPr id="61" name="Google Shape;61;p16"/>
           <p:cNvSpPr txBox="1"/>
           <p:nvPr>
             <p:ph idx="1" type="body"/>
@@ -3832,7 +3832,7 @@
       </p:sp>
       <p:sp>
         <p:nvSpPr>
-          <p:cNvPr id="69" name="Google Shape;69;p16"/>
+          <p:cNvPr id="62" name="Google Shape;62;p16"/>
           <p:cNvSpPr txBox="1"/>
           <p:nvPr>
             <p:ph idx="12" type="sldNum"/>
@@ -3920,7 +3920,7 @@
   <p:cSld name="TITLE_AND_TWO_COLUMNS">
     <p:spTree>
       <p:nvGrpSpPr>
-        <p:cNvPr id="70" name="Shape 70"/>
+        <p:cNvPr id="63" name="Shape 63"/>
         <p:cNvGrpSpPr/>
         <p:nvPr/>
       </p:nvGrpSpPr>
@@ -3934,7 +3934,7 @@
       </p:grpSpPr>
       <p:sp>
         <p:nvSpPr>
-          <p:cNvPr id="71" name="Google Shape;71;p17"/>
+          <p:cNvPr id="64" name="Google Shape;64;p17"/>
           <p:cNvSpPr txBox="1"/>
           <p:nvPr>
             <p:ph type="title"/>
@@ -4063,7 +4063,7 @@
       </p:sp>
       <p:sp>
         <p:nvSpPr>
-          <p:cNvPr id="72" name="Google Shape;72;p17"/>
+          <p:cNvPr id="65" name="Google Shape;65;p17"/>
           <p:cNvSpPr txBox="1"/>
           <p:nvPr>
             <p:ph idx="1" type="body"/>
@@ -4192,7 +4192,7 @@
       </p:sp>
       <p:sp>
         <p:nvSpPr>
-          <p:cNvPr id="73" name="Google Shape;73;p17"/>
+          <p:cNvPr id="66" name="Google Shape;66;p17"/>
           <p:cNvSpPr txBox="1"/>
           <p:nvPr>
             <p:ph idx="2" type="body"/>
@@ -4321,7 +4321,7 @@
       </p:sp>
       <p:sp>
         <p:nvSpPr>
-          <p:cNvPr id="74" name="Google Shape;74;p17"/>
+          <p:cNvPr id="67" name="Google Shape;67;p17"/>
           <p:cNvSpPr txBox="1"/>
           <p:nvPr>
             <p:ph idx="12" type="sldNum"/>
@@ -4409,7 +4409,7 @@
   <p:cSld name="TITLE_ONLY">
     <p:spTree>
       <p:nvGrpSpPr>
-        <p:cNvPr id="75" name="Shape 75"/>
+        <p:cNvPr id="68" name="Shape 68"/>
         <p:cNvGrpSpPr/>
         <p:nvPr/>
       </p:nvGrpSpPr>
@@ -4423,7 +4423,7 @@
       </p:grpSpPr>
       <p:sp>
         <p:nvSpPr>
-          <p:cNvPr id="76" name="Google Shape;76;p18"/>
+          <p:cNvPr id="69" name="Google Shape;69;p18"/>
           <p:cNvSpPr txBox="1"/>
           <p:nvPr>
             <p:ph type="title"/>
@@ -4552,7 +4552,7 @@
       </p:sp>
       <p:sp>
         <p:nvSpPr>
-          <p:cNvPr id="77" name="Google Shape;77;p18"/>
+          <p:cNvPr id="70" name="Google Shape;70;p18"/>
           <p:cNvSpPr txBox="1"/>
           <p:nvPr>
             <p:ph idx="12" type="sldNum"/>
@@ -4640,7 +4640,7 @@
   <p:cSld name="ONE_COLUMN_TEXT">
     <p:spTree>
       <p:nvGrpSpPr>
-        <p:cNvPr id="78" name="Shape 78"/>
+        <p:cNvPr id="71" name="Shape 71"/>
         <p:cNvGrpSpPr/>
         <p:nvPr/>
       </p:nvGrpSpPr>
@@ -4654,7 +4654,7 @@
       </p:grpSpPr>
       <p:sp>
         <p:nvSpPr>
-          <p:cNvPr id="79" name="Google Shape;79;p19"/>
+          <p:cNvPr id="72" name="Google Shape;72;p19"/>
           <p:cNvSpPr txBox="1"/>
           <p:nvPr>
             <p:ph type="title"/>
@@ -4783,7 +4783,7 @@
       </p:sp>
       <p:sp>
         <p:nvSpPr>
-          <p:cNvPr id="80" name="Google Shape;80;p19"/>
+          <p:cNvPr id="73" name="Google Shape;73;p19"/>
           <p:cNvSpPr txBox="1"/>
           <p:nvPr>
             <p:ph idx="1" type="body"/>
@@ -4912,7 +4912,7 @@
       </p:sp>
       <p:sp>
         <p:nvSpPr>
-          <p:cNvPr id="81" name="Google Shape;81;p19"/>
+          <p:cNvPr id="74" name="Google Shape;74;p19"/>
           <p:cNvSpPr txBox="1"/>
           <p:nvPr>
             <p:ph idx="12" type="sldNum"/>
@@ -5000,7 +5000,7 @@
   <p:cSld name="MAIN_POINT">
     <p:spTree>
       <p:nvGrpSpPr>
-        <p:cNvPr id="82" name="Shape 82"/>
+        <p:cNvPr id="75" name="Shape 75"/>
         <p:cNvGrpSpPr/>
         <p:nvPr/>
       </p:nvGrpSpPr>
@@ -5014,7 +5014,7 @@
       </p:grpSpPr>
       <p:sp>
         <p:nvSpPr>
-          <p:cNvPr id="83" name="Google Shape;83;p20"/>
+          <p:cNvPr id="76" name="Google Shape;76;p20"/>
           <p:cNvSpPr txBox="1"/>
           <p:nvPr>
             <p:ph type="title"/>
@@ -5143,7 +5143,7 @@
       </p:sp>
       <p:sp>
         <p:nvSpPr>
-          <p:cNvPr id="84" name="Google Shape;84;p20"/>
+          <p:cNvPr id="77" name="Google Shape;77;p20"/>
           <p:cNvSpPr txBox="1"/>
           <p:nvPr>
             <p:ph idx="12" type="sldNum"/>
@@ -5231,7 +5231,7 @@
   <p:cSld name="SECTION_TITLE_AND_DESCRIPTION">
     <p:spTree>
       <p:nvGrpSpPr>
-        <p:cNvPr id="85" name="Shape 85"/>
+        <p:cNvPr id="78" name="Shape 78"/>
         <p:cNvGrpSpPr/>
         <p:nvPr/>
       </p:nvGrpSpPr>
@@ -5245,7 +5245,7 @@
       </p:grpSpPr>
       <p:sp>
         <p:nvSpPr>
-          <p:cNvPr id="86" name="Google Shape;86;p21"/>
+          <p:cNvPr id="79" name="Google Shape;79;p21"/>
           <p:cNvSpPr/>
           <p:nvPr/>
         </p:nvSpPr>
@@ -5288,7 +5288,7 @@
       </p:sp>
       <p:sp>
         <p:nvSpPr>
-          <p:cNvPr id="87" name="Google Shape;87;p21"/>
+          <p:cNvPr id="80" name="Google Shape;80;p21"/>
           <p:cNvSpPr txBox="1"/>
           <p:nvPr>
             <p:ph type="title"/>
@@ -5417,7 +5417,7 @@
       </p:sp>
       <p:sp>
         <p:nvSpPr>
-          <p:cNvPr id="88" name="Google Shape;88;p21"/>
+          <p:cNvPr id="81" name="Google Shape;81;p21"/>
           <p:cNvSpPr txBox="1"/>
           <p:nvPr>
             <p:ph idx="1" type="subTitle"/>
@@ -5573,7 +5573,7 @@
       </p:sp>
       <p:sp>
         <p:nvSpPr>
-          <p:cNvPr id="89" name="Google Shape;89;p21"/>
+          <p:cNvPr id="82" name="Google Shape;82;p21"/>
           <p:cNvSpPr txBox="1"/>
           <p:nvPr>
             <p:ph idx="2" type="body"/>
@@ -5702,7 +5702,7 @@
       </p:sp>
       <p:sp>
         <p:nvSpPr>
-          <p:cNvPr id="90" name="Google Shape;90;p21"/>
+          <p:cNvPr id="83" name="Google Shape;83;p21"/>
           <p:cNvSpPr txBox="1"/>
           <p:nvPr>
             <p:ph idx="12" type="sldNum"/>
@@ -6017,7 +6017,7 @@
   <p:cSld name="CAPTION_ONLY">
     <p:spTree>
       <p:nvGrpSpPr>
-        <p:cNvPr id="91" name="Shape 91"/>
+        <p:cNvPr id="84" name="Shape 84"/>
         <p:cNvGrpSpPr/>
         <p:nvPr/>
       </p:nvGrpSpPr>
@@ -6031,7 +6031,7 @@
       </p:grpSpPr>
       <p:sp>
         <p:nvSpPr>
-          <p:cNvPr id="92" name="Google Shape;92;p22"/>
+          <p:cNvPr id="85" name="Google Shape;85;p22"/>
           <p:cNvSpPr txBox="1"/>
           <p:nvPr>
             <p:ph idx="1" type="body"/>
@@ -6075,7 +6075,7 @@
       </p:sp>
       <p:sp>
         <p:nvSpPr>
-          <p:cNvPr id="93" name="Google Shape;93;p22"/>
+          <p:cNvPr id="86" name="Google Shape;86;p22"/>
           <p:cNvSpPr txBox="1"/>
           <p:nvPr>
             <p:ph idx="12" type="sldNum"/>
@@ -6163,7 +6163,7 @@
   <p:cSld name="BIG_NUMBER">
     <p:spTree>
       <p:nvGrpSpPr>
-        <p:cNvPr id="94" name="Shape 94"/>
+        <p:cNvPr id="87" name="Shape 87"/>
         <p:cNvGrpSpPr/>
         <p:nvPr/>
       </p:nvGrpSpPr>
@@ -6177,7 +6177,7 @@
       </p:grpSpPr>
       <p:sp>
         <p:nvSpPr>
-          <p:cNvPr id="95" name="Google Shape;95;p23"/>
+          <p:cNvPr id="88" name="Google Shape;88;p23"/>
           <p:cNvSpPr txBox="1"/>
           <p:nvPr>
             <p:ph hasCustomPrompt="1" type="title"/>
@@ -6310,7 +6310,7 @@
       </p:sp>
       <p:sp>
         <p:nvSpPr>
-          <p:cNvPr id="96" name="Google Shape;96;p23"/>
+          <p:cNvPr id="89" name="Google Shape;89;p23"/>
           <p:cNvSpPr txBox="1"/>
           <p:nvPr>
             <p:ph idx="1" type="body"/>
@@ -6439,7 +6439,7 @@
       </p:sp>
       <p:sp>
         <p:nvSpPr>
-          <p:cNvPr id="97" name="Google Shape;97;p23"/>
+          <p:cNvPr id="90" name="Google Shape;90;p23"/>
           <p:cNvSpPr txBox="1"/>
           <p:nvPr>
             <p:ph idx="12" type="sldNum"/>
@@ -6527,7 +6527,7 @@
   <p:cSld name="BLANK">
     <p:spTree>
       <p:nvGrpSpPr>
-        <p:cNvPr id="98" name="Shape 98"/>
+        <p:cNvPr id="91" name="Shape 91"/>
         <p:cNvGrpSpPr/>
         <p:nvPr/>
       </p:nvGrpSpPr>
@@ -6541,7 +6541,7 @@
       </p:grpSpPr>
       <p:sp>
         <p:nvSpPr>
-          <p:cNvPr id="99" name="Google Shape;99;p24"/>
+          <p:cNvPr id="92" name="Google Shape;92;p24"/>
           <p:cNvSpPr txBox="1"/>
           <p:nvPr>
             <p:ph idx="12" type="sldNum"/>
@@ -10350,303 +10350,21 @@
           </a:p>
         </p:txBody>
       </p:sp>
-      <p:grpSp>
-        <p:nvGrpSpPr>
-          <p:cNvPr id="52" name="Google Shape;52;p13"/>
-          <p:cNvGrpSpPr/>
-          <p:nvPr/>
-        </p:nvGrpSpPr>
-        <p:grpSpPr>
-          <a:xfrm>
-            <a:off x="0" y="4827289"/>
-            <a:ext cx="9143798" cy="316433"/>
-            <a:chOff x="0" y="7094781"/>
-            <a:chExt cx="10692000" cy="465069"/>
-          </a:xfrm>
-        </p:grpSpPr>
-        <p:sp>
-          <p:nvSpPr>
-            <p:cNvPr id="53" name="Google Shape;53;p13"/>
-            <p:cNvSpPr/>
-            <p:nvPr/>
-          </p:nvSpPr>
-          <p:spPr>
-            <a:xfrm>
-              <a:off x="0" y="7094850"/>
-              <a:ext cx="10692000" cy="465000"/>
-            </a:xfrm>
-            <a:prstGeom prst="rect">
-              <a:avLst/>
-            </a:prstGeom>
-            <a:solidFill>
-              <a:srgbClr val="FFFFFF"/>
-            </a:solidFill>
-            <a:ln>
-              <a:noFill/>
-            </a:ln>
-          </p:spPr>
-          <p:txBody>
-            <a:bodyPr anchorCtr="0" anchor="ctr" bIns="72850" lIns="72850" spcFirstLastPara="1" rIns="72850" wrap="square" tIns="72850">
-              <a:noAutofit/>
-            </a:bodyPr>
-            <a:lstStyle/>
-            <a:p>
-              <a:pPr indent="0" lvl="0" marL="0" rtl="0" algn="l">
-                <a:spcBef>
-                  <a:spcPts val="0"/>
-                </a:spcBef>
-                <a:spcAft>
-                  <a:spcPts val="0"/>
-                </a:spcAft>
-                <a:buNone/>
-              </a:pPr>
-              <a:r>
-                <a:t/>
-              </a:r>
-              <a:endParaRPr/>
-            </a:p>
-          </p:txBody>
-        </p:sp>
-        <p:grpSp>
-          <p:nvGrpSpPr>
-            <p:cNvPr id="54" name="Google Shape;54;p13"/>
-            <p:cNvGrpSpPr/>
-            <p:nvPr/>
-          </p:nvGrpSpPr>
-          <p:grpSpPr>
-            <a:xfrm>
-              <a:off x="7712143" y="7094781"/>
-              <a:ext cx="2412328" cy="430321"/>
-              <a:chOff x="5831433" y="6857683"/>
-              <a:chExt cx="4631966" cy="815774"/>
-            </a:xfrm>
-          </p:grpSpPr>
-          <p:pic>
-            <p:nvPicPr>
-              <p:cNvPr id="55" name="Google Shape;55;p13"/>
-              <p:cNvPicPr preferRelativeResize="0"/>
-              <p:nvPr/>
-            </p:nvPicPr>
-            <p:blipFill>
-              <a:blip r:embed="rId1">
-                <a:alphaModFix/>
-              </a:blip>
-              <a:stretch>
-                <a:fillRect/>
-              </a:stretch>
-            </p:blipFill>
-            <p:spPr>
-              <a:xfrm>
-                <a:off x="9513825" y="6857683"/>
-                <a:ext cx="949574" cy="815774"/>
-              </a:xfrm>
-              <a:prstGeom prst="rect">
-                <a:avLst/>
-              </a:prstGeom>
-              <a:noFill/>
-              <a:ln>
-                <a:noFill/>
-              </a:ln>
-            </p:spPr>
-          </p:pic>
-          <p:pic>
-            <p:nvPicPr>
-              <p:cNvPr id="56" name="Google Shape;56;p13"/>
-              <p:cNvPicPr preferRelativeResize="0"/>
-              <p:nvPr/>
-            </p:nvPicPr>
-            <p:blipFill>
-              <a:blip r:embed="rId2">
-                <a:alphaModFix/>
-              </a:blip>
-              <a:stretch>
-                <a:fillRect/>
-              </a:stretch>
-            </p:blipFill>
-            <p:spPr>
-              <a:xfrm>
-                <a:off x="5831433" y="7117645"/>
-                <a:ext cx="1933325" cy="446407"/>
-              </a:xfrm>
-              <a:prstGeom prst="rect">
-                <a:avLst/>
-              </a:prstGeom>
-              <a:noFill/>
-              <a:ln>
-                <a:noFill/>
-              </a:ln>
-            </p:spPr>
-          </p:pic>
-          <p:pic>
-            <p:nvPicPr>
-              <p:cNvPr id="57" name="Google Shape;57;p13"/>
-              <p:cNvPicPr preferRelativeResize="0"/>
-              <p:nvPr/>
-            </p:nvPicPr>
-            <p:blipFill rotWithShape="1">
-              <a:blip r:embed="rId3">
-                <a:alphaModFix/>
-              </a:blip>
-              <a:srcRect b="23935" l="18913" r="10250" t="28704"/>
-              <a:stretch/>
-            </p:blipFill>
-            <p:spPr>
-              <a:xfrm>
-                <a:off x="8144179" y="7097827"/>
-                <a:ext cx="990224" cy="393901"/>
-              </a:xfrm>
-              <a:prstGeom prst="rect">
-                <a:avLst/>
-              </a:prstGeom>
-              <a:noFill/>
-              <a:ln>
-                <a:noFill/>
-              </a:ln>
-            </p:spPr>
-          </p:pic>
-        </p:grpSp>
-      </p:grpSp>
-      <p:sp>
-        <p:nvSpPr>
-          <p:cNvPr id="58" name="Google Shape;58;p13"/>
-          <p:cNvSpPr txBox="1"/>
-          <p:nvPr>
-            <p:ph idx="2" type="sldNum"/>
-          </p:nvPr>
-        </p:nvSpPr>
-        <p:spPr>
-          <a:xfrm>
-            <a:off x="4297600" y="4808613"/>
-            <a:ext cx="548700" cy="393600"/>
-          </a:xfrm>
-          <a:prstGeom prst="rect">
-            <a:avLst/>
-          </a:prstGeom>
-          <a:noFill/>
-          <a:ln>
-            <a:noFill/>
-          </a:ln>
-        </p:spPr>
-        <p:txBody>
-          <a:bodyPr anchorCtr="0" anchor="ctr" bIns="72900" lIns="72900" spcFirstLastPara="1" rIns="72900" wrap="square" tIns="72900">
-            <a:noAutofit/>
-          </a:bodyPr>
-          <a:lstStyle>
-            <a:lvl1pPr lvl="0" rtl="0">
-              <a:buClr>
-                <a:srgbClr val="000000"/>
-              </a:buClr>
-              <a:buSzPts val="900"/>
-              <a:buFont typeface="Arial"/>
-              <a:buNone/>
-              <a:defRPr sz="1100"/>
-            </a:lvl1pPr>
-            <a:lvl2pPr lvl="1" rtl="0">
-              <a:buClr>
-                <a:srgbClr val="000000"/>
-              </a:buClr>
-              <a:buSzPts val="900"/>
-              <a:buFont typeface="Arial"/>
-              <a:buNone/>
-              <a:defRPr sz="1100"/>
-            </a:lvl2pPr>
-            <a:lvl3pPr lvl="2" rtl="0">
-              <a:buClr>
-                <a:srgbClr val="000000"/>
-              </a:buClr>
-              <a:buSzPts val="900"/>
-              <a:buFont typeface="Arial"/>
-              <a:buNone/>
-              <a:defRPr sz="1100"/>
-            </a:lvl3pPr>
-            <a:lvl4pPr lvl="3" rtl="0">
-              <a:buClr>
-                <a:srgbClr val="000000"/>
-              </a:buClr>
-              <a:buSzPts val="900"/>
-              <a:buFont typeface="Arial"/>
-              <a:buNone/>
-              <a:defRPr sz="1100"/>
-            </a:lvl4pPr>
-            <a:lvl5pPr lvl="4" rtl="0">
-              <a:buClr>
-                <a:srgbClr val="000000"/>
-              </a:buClr>
-              <a:buSzPts val="900"/>
-              <a:buFont typeface="Arial"/>
-              <a:buNone/>
-              <a:defRPr sz="1100"/>
-            </a:lvl5pPr>
-            <a:lvl6pPr lvl="5" rtl="0">
-              <a:buClr>
-                <a:srgbClr val="000000"/>
-              </a:buClr>
-              <a:buSzPts val="900"/>
-              <a:buFont typeface="Arial"/>
-              <a:buNone/>
-              <a:defRPr sz="1100"/>
-            </a:lvl6pPr>
-            <a:lvl7pPr lvl="6" rtl="0">
-              <a:buClr>
-                <a:srgbClr val="000000"/>
-              </a:buClr>
-              <a:buSzPts val="900"/>
-              <a:buFont typeface="Arial"/>
-              <a:buNone/>
-              <a:defRPr sz="1100"/>
-            </a:lvl7pPr>
-            <a:lvl8pPr lvl="7" rtl="0">
-              <a:buClr>
-                <a:srgbClr val="000000"/>
-              </a:buClr>
-              <a:buSzPts val="900"/>
-              <a:buFont typeface="Arial"/>
-              <a:buNone/>
-              <a:defRPr sz="1100"/>
-            </a:lvl8pPr>
-            <a:lvl9pPr lvl="8" rtl="0">
-              <a:buClr>
-                <a:srgbClr val="000000"/>
-              </a:buClr>
-              <a:buSzPts val="900"/>
-              <a:buFont typeface="Arial"/>
-              <a:buNone/>
-              <a:defRPr sz="1100"/>
-            </a:lvl9pPr>
-          </a:lstStyle>
-          <a:p>
-            <a:pPr indent="0" lvl="0" marL="0" rtl="0" algn="l">
-              <a:spcBef>
-                <a:spcPts val="0"/>
-              </a:spcBef>
-              <a:spcAft>
-                <a:spcPts val="0"/>
-              </a:spcAft>
-              <a:buNone/>
-            </a:pPr>
-            <a:fld id="{00000000-1234-1234-1234-123412341234}" type="slidenum">
-              <a:rPr lang="en"/>
-              <a:t>‹#›</a:t>
-            </a:fld>
-            <a:endParaRPr/>
-          </a:p>
-        </p:txBody>
-      </p:sp>
     </p:spTree>
   </p:cSld>
   <p:clrMap accent1="accent1" accent2="accent2" accent3="accent3" accent4="accent4" accent5="accent5" accent6="accent6" bg1="lt1" bg2="dk2" tx1="dk1" tx2="lt2" folHlink="folHlink" hlink="hlink"/>
   <p:sldLayoutIdLst>
-    <p:sldLayoutId id="2147483659" r:id="rId4"/>
-    <p:sldLayoutId id="2147483660" r:id="rId5"/>
-    <p:sldLayoutId id="2147483661" r:id="rId6"/>
-    <p:sldLayoutId id="2147483662" r:id="rId7"/>
-    <p:sldLayoutId id="2147483663" r:id="rId8"/>
-    <p:sldLayoutId id="2147483664" r:id="rId9"/>
-    <p:sldLayoutId id="2147483665" r:id="rId10"/>
-    <p:sldLayoutId id="2147483666" r:id="rId11"/>
-    <p:sldLayoutId id="2147483667" r:id="rId12"/>
-    <p:sldLayoutId id="2147483668" r:id="rId13"/>
-    <p:sldLayoutId id="2147483669" r:id="rId14"/>
+    <p:sldLayoutId id="2147483659" r:id="rId1"/>
+    <p:sldLayoutId id="2147483660" r:id="rId2"/>
+    <p:sldLayoutId id="2147483661" r:id="rId3"/>
+    <p:sldLayoutId id="2147483662" r:id="rId4"/>
+    <p:sldLayoutId id="2147483663" r:id="rId5"/>
+    <p:sldLayoutId id="2147483664" r:id="rId6"/>
+    <p:sldLayoutId id="2147483665" r:id="rId7"/>
+    <p:sldLayoutId id="2147483666" r:id="rId8"/>
+    <p:sldLayoutId id="2147483667" r:id="rId9"/>
+    <p:sldLayoutId id="2147483668" r:id="rId10"/>
+    <p:sldLayoutId id="2147483669" r:id="rId11"/>
   </p:sldLayoutIdLst>
   <p:hf dt="0" ftr="0" hdr="0" sldNum="0"/>
   <p:txStyles>
@@ -11346,7 +11064,7 @@
   <p:cSld>
     <p:spTree>
       <p:nvGrpSpPr>
-        <p:cNvPr id="103" name="Shape 103"/>
+        <p:cNvPr id="96" name="Shape 96"/>
         <p:cNvGrpSpPr/>
         <p:nvPr/>
       </p:nvGrpSpPr>
@@ -11360,7 +11078,7 @@
       </p:grpSpPr>
       <p:sp>
         <p:nvSpPr>
-          <p:cNvPr id="104" name="Google Shape;104;p25"/>
+          <p:cNvPr id="97" name="Google Shape;97;p25"/>
           <p:cNvSpPr/>
           <p:nvPr/>
         </p:nvSpPr>
@@ -11407,7 +11125,7 @@
       </p:sp>
       <p:sp>
         <p:nvSpPr>
-          <p:cNvPr id="105" name="Google Shape;105;p25"/>
+          <p:cNvPr id="98" name="Google Shape;98;p25"/>
           <p:cNvSpPr txBox="1"/>
           <p:nvPr>
             <p:ph type="title"/>
@@ -11534,7 +11252,7 @@
       </p:sp>
       <p:sp>
         <p:nvSpPr>
-          <p:cNvPr id="106" name="Google Shape;106;p25"/>
+          <p:cNvPr id="99" name="Google Shape;99;p25"/>
           <p:cNvSpPr/>
           <p:nvPr/>
         </p:nvSpPr>
@@ -11577,7 +11295,7 @@
       </p:sp>
       <p:grpSp>
         <p:nvGrpSpPr>
-          <p:cNvPr id="107" name="Google Shape;107;p25"/>
+          <p:cNvPr id="100" name="Google Shape;100;p25"/>
           <p:cNvGrpSpPr/>
           <p:nvPr/>
         </p:nvGrpSpPr>
@@ -11591,7 +11309,7 @@
         </p:grpSpPr>
         <p:pic>
           <p:nvPicPr>
-            <p:cNvPr id="108" name="Google Shape;108;p25"/>
+            <p:cNvPr id="101" name="Google Shape;101;p25"/>
             <p:cNvPicPr preferRelativeResize="0"/>
             <p:nvPr/>
           </p:nvPicPr>
@@ -11619,7 +11337,7 @@
         </p:pic>
         <p:pic>
           <p:nvPicPr>
-            <p:cNvPr id="109" name="Google Shape;109;p25"/>
+            <p:cNvPr id="102" name="Google Shape;102;p25"/>
             <p:cNvPicPr preferRelativeResize="0"/>
             <p:nvPr/>
           </p:nvPicPr>
@@ -11659,7 +11377,7 @@
   <p:cSld>
     <p:spTree>
       <p:nvGrpSpPr>
-        <p:cNvPr id="194" name="Shape 194"/>
+        <p:cNvPr id="186" name="Shape 186"/>
         <p:cNvGrpSpPr/>
         <p:nvPr/>
       </p:nvGrpSpPr>
@@ -11673,7 +11391,7 @@
       </p:grpSpPr>
       <p:sp>
         <p:nvSpPr>
-          <p:cNvPr id="195" name="Google Shape;195;p34"/>
+          <p:cNvPr id="187" name="Google Shape;187;p34"/>
           <p:cNvSpPr txBox="1"/>
           <p:nvPr>
             <p:ph idx="1" type="body"/>
@@ -11732,7 +11450,7 @@
       </p:sp>
       <p:sp>
         <p:nvSpPr>
-          <p:cNvPr id="196" name="Google Shape;196;p34"/>
+          <p:cNvPr id="188" name="Google Shape;188;p34"/>
           <p:cNvSpPr/>
           <p:nvPr/>
         </p:nvSpPr>
@@ -11775,7 +11493,7 @@
       </p:sp>
       <p:grpSp>
         <p:nvGrpSpPr>
-          <p:cNvPr id="197" name="Google Shape;197;p34"/>
+          <p:cNvPr id="189" name="Google Shape;189;p34"/>
           <p:cNvGrpSpPr/>
           <p:nvPr/>
         </p:nvGrpSpPr>
@@ -11789,7 +11507,7 @@
         </p:grpSpPr>
         <p:pic>
           <p:nvPicPr>
-            <p:cNvPr id="198" name="Google Shape;198;p34"/>
+            <p:cNvPr id="190" name="Google Shape;190;p34"/>
             <p:cNvPicPr preferRelativeResize="0"/>
             <p:nvPr/>
           </p:nvPicPr>
@@ -11817,7 +11535,7 @@
         </p:pic>
         <p:pic>
           <p:nvPicPr>
-            <p:cNvPr id="199" name="Google Shape;199;p34"/>
+            <p:cNvPr id="191" name="Google Shape;191;p34"/>
             <p:cNvPicPr preferRelativeResize="0"/>
             <p:nvPr/>
           </p:nvPicPr>
@@ -11857,7 +11575,7 @@
   <p:cSld>
     <p:spTree>
       <p:nvGrpSpPr>
-        <p:cNvPr id="203" name="Shape 203"/>
+        <p:cNvPr id="195" name="Shape 195"/>
         <p:cNvGrpSpPr/>
         <p:nvPr/>
       </p:nvGrpSpPr>
@@ -11871,7 +11589,121 @@
       </p:grpSpPr>
       <p:sp>
         <p:nvSpPr>
-          <p:cNvPr id="204" name="Google Shape;204;p35"/>
+          <p:cNvPr id="196" name="Google Shape;196;p35"/>
+          <p:cNvSpPr/>
+          <p:nvPr/>
+        </p:nvSpPr>
+        <p:spPr>
+          <a:xfrm>
+            <a:off x="150" y="4773075"/>
+            <a:ext cx="9144000" cy="371400"/>
+          </a:xfrm>
+          <a:prstGeom prst="rect">
+            <a:avLst/>
+          </a:prstGeom>
+          <a:solidFill>
+            <a:srgbClr val="FFFFFF"/>
+          </a:solidFill>
+          <a:ln>
+            <a:noFill/>
+          </a:ln>
+        </p:spPr>
+        <p:txBody>
+          <a:bodyPr anchorCtr="0" anchor="ctr" bIns="91425" lIns="91425" spcFirstLastPara="1" rIns="91425" wrap="square" tIns="91425">
+            <a:noAutofit/>
+          </a:bodyPr>
+          <a:lstStyle/>
+          <a:p>
+            <a:pPr indent="0" lvl="0" marL="0" rtl="0" algn="l">
+              <a:spcBef>
+                <a:spcPts val="0"/>
+              </a:spcBef>
+              <a:spcAft>
+                <a:spcPts val="0"/>
+              </a:spcAft>
+              <a:buNone/>
+            </a:pPr>
+            <a:r>
+              <a:t/>
+            </a:r>
+            <a:endParaRPr/>
+          </a:p>
+        </p:txBody>
+      </p:sp>
+      <p:grpSp>
+        <p:nvGrpSpPr>
+          <p:cNvPr id="197" name="Google Shape;197;p35"/>
+          <p:cNvGrpSpPr/>
+          <p:nvPr/>
+        </p:nvGrpSpPr>
+        <p:grpSpPr>
+          <a:xfrm>
+            <a:off x="7462201" y="4812275"/>
+            <a:ext cx="1068401" cy="288301"/>
+            <a:chOff x="7462201" y="4812275"/>
+            <a:chExt cx="1068401" cy="288301"/>
+          </a:xfrm>
+        </p:grpSpPr>
+        <p:pic>
+          <p:nvPicPr>
+            <p:cNvPr id="198" name="Google Shape;198;p35"/>
+            <p:cNvPicPr preferRelativeResize="0"/>
+            <p:nvPr/>
+          </p:nvPicPr>
+          <p:blipFill>
+            <a:blip r:embed="rId3">
+              <a:alphaModFix/>
+            </a:blip>
+            <a:stretch>
+              <a:fillRect/>
+            </a:stretch>
+          </p:blipFill>
+          <p:spPr>
+            <a:xfrm>
+              <a:off x="8195884" y="4812275"/>
+              <a:ext cx="334718" cy="288301"/>
+            </a:xfrm>
+            <a:prstGeom prst="rect">
+              <a:avLst/>
+            </a:prstGeom>
+            <a:noFill/>
+            <a:ln>
+              <a:noFill/>
+            </a:ln>
+          </p:spPr>
+        </p:pic>
+        <p:pic>
+          <p:nvPicPr>
+            <p:cNvPr id="199" name="Google Shape;199;p35"/>
+            <p:cNvPicPr preferRelativeResize="0"/>
+            <p:nvPr/>
+          </p:nvPicPr>
+          <p:blipFill>
+            <a:blip r:embed="rId4">
+              <a:alphaModFix/>
+            </a:blip>
+            <a:stretch>
+              <a:fillRect/>
+            </a:stretch>
+          </p:blipFill>
+          <p:spPr>
+            <a:xfrm>
+              <a:off x="7462201" y="4846024"/>
+              <a:ext cx="645825" cy="225525"/>
+            </a:xfrm>
+            <a:prstGeom prst="rect">
+              <a:avLst/>
+            </a:prstGeom>
+            <a:noFill/>
+            <a:ln>
+              <a:noFill/>
+            </a:ln>
+          </p:spPr>
+        </p:pic>
+      </p:grpSp>
+      <p:sp>
+        <p:nvSpPr>
+          <p:cNvPr id="200" name="Google Shape;200;p35"/>
           <p:cNvSpPr txBox="1"/>
           <p:nvPr/>
         </p:nvSpPr>
@@ -11912,7 +11744,7 @@
                 <a:solidFill>
                   <a:schemeClr val="hlink"/>
                 </a:solidFill>
-                <a:hlinkClick r:id="rId3"/>
+                <a:hlinkClick r:id="rId5"/>
               </a:rPr>
               <a:t>https://ethics.org.au/ethical-by-design/</a:t>
             </a:r>
@@ -11945,12 +11777,12 @@
       </p:sp>
       <p:pic>
         <p:nvPicPr>
-          <p:cNvPr id="205" name="Google Shape;205;p35"/>
+          <p:cNvPr id="201" name="Google Shape;201;p35"/>
           <p:cNvPicPr preferRelativeResize="0"/>
           <p:nvPr/>
         </p:nvPicPr>
         <p:blipFill>
-          <a:blip r:embed="rId4">
+          <a:blip r:embed="rId6">
             <a:alphaModFix/>
           </a:blip>
           <a:stretch>
@@ -11984,7 +11816,7 @@
   <p:cSld>
     <p:spTree>
       <p:nvGrpSpPr>
-        <p:cNvPr id="209" name="Shape 209"/>
+        <p:cNvPr id="205" name="Shape 205"/>
         <p:cNvGrpSpPr/>
         <p:nvPr/>
       </p:nvGrpSpPr>
@@ -11996,6 +11828,120 @@
           <a:chExt cx="0" cy="0"/>
         </a:xfrm>
       </p:grpSpPr>
+      <p:sp>
+        <p:nvSpPr>
+          <p:cNvPr id="206" name="Google Shape;206;p36"/>
+          <p:cNvSpPr/>
+          <p:nvPr/>
+        </p:nvSpPr>
+        <p:spPr>
+          <a:xfrm>
+            <a:off x="150" y="4773075"/>
+            <a:ext cx="9144000" cy="371400"/>
+          </a:xfrm>
+          <a:prstGeom prst="rect">
+            <a:avLst/>
+          </a:prstGeom>
+          <a:solidFill>
+            <a:srgbClr val="FFFFFF"/>
+          </a:solidFill>
+          <a:ln>
+            <a:noFill/>
+          </a:ln>
+        </p:spPr>
+        <p:txBody>
+          <a:bodyPr anchorCtr="0" anchor="ctr" bIns="91425" lIns="91425" spcFirstLastPara="1" rIns="91425" wrap="square" tIns="91425">
+            <a:noAutofit/>
+          </a:bodyPr>
+          <a:lstStyle/>
+          <a:p>
+            <a:pPr indent="0" lvl="0" marL="0" rtl="0" algn="l">
+              <a:spcBef>
+                <a:spcPts val="0"/>
+              </a:spcBef>
+              <a:spcAft>
+                <a:spcPts val="0"/>
+              </a:spcAft>
+              <a:buNone/>
+            </a:pPr>
+            <a:r>
+              <a:t/>
+            </a:r>
+            <a:endParaRPr/>
+          </a:p>
+        </p:txBody>
+      </p:sp>
+      <p:grpSp>
+        <p:nvGrpSpPr>
+          <p:cNvPr id="207" name="Google Shape;207;p36"/>
+          <p:cNvGrpSpPr/>
+          <p:nvPr/>
+        </p:nvGrpSpPr>
+        <p:grpSpPr>
+          <a:xfrm>
+            <a:off x="7462201" y="4812275"/>
+            <a:ext cx="1068401" cy="288301"/>
+            <a:chOff x="7462201" y="4812275"/>
+            <a:chExt cx="1068401" cy="288301"/>
+          </a:xfrm>
+        </p:grpSpPr>
+        <p:pic>
+          <p:nvPicPr>
+            <p:cNvPr id="208" name="Google Shape;208;p36"/>
+            <p:cNvPicPr preferRelativeResize="0"/>
+            <p:nvPr/>
+          </p:nvPicPr>
+          <p:blipFill>
+            <a:blip r:embed="rId3">
+              <a:alphaModFix/>
+            </a:blip>
+            <a:stretch>
+              <a:fillRect/>
+            </a:stretch>
+          </p:blipFill>
+          <p:spPr>
+            <a:xfrm>
+              <a:off x="8195884" y="4812275"/>
+              <a:ext cx="334718" cy="288301"/>
+            </a:xfrm>
+            <a:prstGeom prst="rect">
+              <a:avLst/>
+            </a:prstGeom>
+            <a:noFill/>
+            <a:ln>
+              <a:noFill/>
+            </a:ln>
+          </p:spPr>
+        </p:pic>
+        <p:pic>
+          <p:nvPicPr>
+            <p:cNvPr id="209" name="Google Shape;209;p36"/>
+            <p:cNvPicPr preferRelativeResize="0"/>
+            <p:nvPr/>
+          </p:nvPicPr>
+          <p:blipFill>
+            <a:blip r:embed="rId4">
+              <a:alphaModFix/>
+            </a:blip>
+            <a:stretch>
+              <a:fillRect/>
+            </a:stretch>
+          </p:blipFill>
+          <p:spPr>
+            <a:xfrm>
+              <a:off x="7462201" y="4846024"/>
+              <a:ext cx="645825" cy="225525"/>
+            </a:xfrm>
+            <a:prstGeom prst="rect">
+              <a:avLst/>
+            </a:prstGeom>
+            <a:noFill/>
+            <a:ln>
+              <a:noFill/>
+            </a:ln>
+          </p:spPr>
+        </p:pic>
+      </p:grpSp>
       <p:pic>
         <p:nvPicPr>
           <p:cNvPr id="210" name="Google Shape;210;p36"/>
@@ -12003,7 +11949,7 @@
           <p:nvPr/>
         </p:nvPicPr>
         <p:blipFill rotWithShape="1">
-          <a:blip r:embed="rId3">
+          <a:blip r:embed="rId5">
             <a:alphaModFix/>
           </a:blip>
           <a:srcRect b="8026" l="31350" r="32746" t="16112"/>
@@ -12066,7 +12012,7 @@
                 <a:solidFill>
                   <a:schemeClr val="hlink"/>
                 </a:solidFill>
-                <a:hlinkClick r:id="rId4"/>
+                <a:hlinkClick r:id="rId6"/>
               </a:rPr>
               <a:t>https://2017.ind.ie/ethical-design/</a:t>
             </a:r>
@@ -12315,7 +12261,7 @@
   <p:cSld>
     <p:spTree>
       <p:nvGrpSpPr>
-        <p:cNvPr id="113" name="Shape 113"/>
+        <p:cNvPr id="106" name="Shape 106"/>
         <p:cNvGrpSpPr/>
         <p:nvPr/>
       </p:nvGrpSpPr>
@@ -12329,7 +12275,7 @@
       </p:grpSpPr>
       <p:sp>
         <p:nvSpPr>
-          <p:cNvPr id="114" name="Google Shape;114;p26"/>
+          <p:cNvPr id="107" name="Google Shape;107;p26"/>
           <p:cNvSpPr/>
           <p:nvPr/>
         </p:nvSpPr>
@@ -12372,7 +12318,7 @@
       </p:sp>
       <p:sp>
         <p:nvSpPr>
-          <p:cNvPr id="115" name="Google Shape;115;p26"/>
+          <p:cNvPr id="108" name="Google Shape;108;p26"/>
           <p:cNvSpPr txBox="1"/>
           <p:nvPr/>
         </p:nvSpPr>
@@ -12535,7 +12481,7 @@
       </p:sp>
       <p:grpSp>
         <p:nvGrpSpPr>
-          <p:cNvPr id="116" name="Google Shape;116;p26"/>
+          <p:cNvPr id="109" name="Google Shape;109;p26"/>
           <p:cNvGrpSpPr/>
           <p:nvPr/>
         </p:nvGrpSpPr>
@@ -12549,7 +12495,7 @@
         </p:grpSpPr>
         <p:pic>
           <p:nvPicPr>
-            <p:cNvPr id="117" name="Google Shape;117;p26"/>
+            <p:cNvPr id="110" name="Google Shape;110;p26"/>
             <p:cNvPicPr preferRelativeResize="0"/>
             <p:nvPr/>
           </p:nvPicPr>
@@ -12577,7 +12523,7 @@
         </p:pic>
         <p:pic>
           <p:nvPicPr>
-            <p:cNvPr id="118" name="Google Shape;118;p26"/>
+            <p:cNvPr id="111" name="Google Shape;111;p26"/>
             <p:cNvPicPr preferRelativeResize="0"/>
             <p:nvPr/>
           </p:nvPicPr>
@@ -12617,7 +12563,7 @@
   <p:cSld>
     <p:spTree>
       <p:nvGrpSpPr>
-        <p:cNvPr id="122" name="Shape 122"/>
+        <p:cNvPr id="115" name="Shape 115"/>
         <p:cNvGrpSpPr/>
         <p:nvPr/>
       </p:nvGrpSpPr>
@@ -12631,7 +12577,7 @@
       </p:grpSpPr>
       <p:sp>
         <p:nvSpPr>
-          <p:cNvPr id="123" name="Google Shape;123;p27"/>
+          <p:cNvPr id="116" name="Google Shape;116;p27"/>
           <p:cNvSpPr txBox="1"/>
           <p:nvPr>
             <p:ph idx="1" type="body"/>
@@ -12751,7 +12697,7 @@
       </p:sp>
       <p:sp>
         <p:nvSpPr>
-          <p:cNvPr id="124" name="Google Shape;124;p27"/>
+          <p:cNvPr id="117" name="Google Shape;117;p27"/>
           <p:cNvSpPr/>
           <p:nvPr/>
         </p:nvSpPr>
@@ -12794,7 +12740,7 @@
       </p:sp>
       <p:grpSp>
         <p:nvGrpSpPr>
-          <p:cNvPr id="125" name="Google Shape;125;p27"/>
+          <p:cNvPr id="118" name="Google Shape;118;p27"/>
           <p:cNvGrpSpPr/>
           <p:nvPr/>
         </p:nvGrpSpPr>
@@ -12808,7 +12754,7 @@
         </p:grpSpPr>
         <p:pic>
           <p:nvPicPr>
-            <p:cNvPr id="126" name="Google Shape;126;p27"/>
+            <p:cNvPr id="119" name="Google Shape;119;p27"/>
             <p:cNvPicPr preferRelativeResize="0"/>
             <p:nvPr/>
           </p:nvPicPr>
@@ -12836,7 +12782,7 @@
         </p:pic>
         <p:pic>
           <p:nvPicPr>
-            <p:cNvPr id="127" name="Google Shape;127;p27"/>
+            <p:cNvPr id="120" name="Google Shape;120;p27"/>
             <p:cNvPicPr preferRelativeResize="0"/>
             <p:nvPr/>
           </p:nvPicPr>
@@ -12876,7 +12822,7 @@
   <p:cSld>
     <p:spTree>
       <p:nvGrpSpPr>
-        <p:cNvPr id="131" name="Shape 131"/>
+        <p:cNvPr id="124" name="Shape 124"/>
         <p:cNvGrpSpPr/>
         <p:nvPr/>
       </p:nvGrpSpPr>
@@ -12890,7 +12836,7 @@
       </p:grpSpPr>
       <p:sp>
         <p:nvSpPr>
-          <p:cNvPr id="132" name="Google Shape;132;p28"/>
+          <p:cNvPr id="125" name="Google Shape;125;p28"/>
           <p:cNvSpPr txBox="1"/>
           <p:nvPr>
             <p:ph idx="1" type="body"/>
@@ -12949,7 +12895,7 @@
       </p:sp>
       <p:sp>
         <p:nvSpPr>
-          <p:cNvPr id="133" name="Google Shape;133;p28"/>
+          <p:cNvPr id="126" name="Google Shape;126;p28"/>
           <p:cNvSpPr/>
           <p:nvPr/>
         </p:nvSpPr>
@@ -12992,7 +12938,7 @@
       </p:sp>
       <p:grpSp>
         <p:nvGrpSpPr>
-          <p:cNvPr id="134" name="Google Shape;134;p28"/>
+          <p:cNvPr id="127" name="Google Shape;127;p28"/>
           <p:cNvGrpSpPr/>
           <p:nvPr/>
         </p:nvGrpSpPr>
@@ -13006,7 +12952,7 @@
         </p:grpSpPr>
         <p:pic>
           <p:nvPicPr>
-            <p:cNvPr id="135" name="Google Shape;135;p28"/>
+            <p:cNvPr id="128" name="Google Shape;128;p28"/>
             <p:cNvPicPr preferRelativeResize="0"/>
             <p:nvPr/>
           </p:nvPicPr>
@@ -13034,7 +12980,7 @@
         </p:pic>
         <p:pic>
           <p:nvPicPr>
-            <p:cNvPr id="136" name="Google Shape;136;p28"/>
+            <p:cNvPr id="129" name="Google Shape;129;p28"/>
             <p:cNvPicPr preferRelativeResize="0"/>
             <p:nvPr/>
           </p:nvPicPr>
@@ -13074,7 +13020,7 @@
   <p:cSld>
     <p:spTree>
       <p:nvGrpSpPr>
-        <p:cNvPr id="140" name="Shape 140"/>
+        <p:cNvPr id="133" name="Shape 133"/>
         <p:cNvGrpSpPr/>
         <p:nvPr/>
       </p:nvGrpSpPr>
@@ -13088,7 +13034,7 @@
       </p:grpSpPr>
       <p:sp>
         <p:nvSpPr>
-          <p:cNvPr id="141" name="Google Shape;141;p29"/>
+          <p:cNvPr id="134" name="Google Shape;134;p29"/>
           <p:cNvSpPr/>
           <p:nvPr/>
         </p:nvSpPr>
@@ -13135,7 +13081,7 @@
       </p:sp>
       <p:sp>
         <p:nvSpPr>
-          <p:cNvPr id="142" name="Google Shape;142;p29"/>
+          <p:cNvPr id="135" name="Google Shape;135;p29"/>
           <p:cNvSpPr txBox="1"/>
           <p:nvPr>
             <p:ph idx="1" type="body"/>
@@ -13291,7 +13237,7 @@
       </p:sp>
       <p:sp>
         <p:nvSpPr>
-          <p:cNvPr id="143" name="Google Shape;143;p29"/>
+          <p:cNvPr id="136" name="Google Shape;136;p29"/>
           <p:cNvSpPr/>
           <p:nvPr/>
         </p:nvSpPr>
@@ -13334,7 +13280,7 @@
       </p:sp>
       <p:sp>
         <p:nvSpPr>
-          <p:cNvPr id="144" name="Google Shape;144;p29"/>
+          <p:cNvPr id="137" name="Google Shape;137;p29"/>
           <p:cNvSpPr txBox="1"/>
           <p:nvPr>
             <p:ph type="title"/>
@@ -13462,7 +13408,7 @@
       </p:sp>
       <p:grpSp>
         <p:nvGrpSpPr>
-          <p:cNvPr id="145" name="Google Shape;145;p29"/>
+          <p:cNvPr id="138" name="Google Shape;138;p29"/>
           <p:cNvGrpSpPr/>
           <p:nvPr/>
         </p:nvGrpSpPr>
@@ -13476,7 +13422,7 @@
         </p:grpSpPr>
         <p:pic>
           <p:nvPicPr>
-            <p:cNvPr id="146" name="Google Shape;146;p29"/>
+            <p:cNvPr id="139" name="Google Shape;139;p29"/>
             <p:cNvPicPr preferRelativeResize="0"/>
             <p:nvPr/>
           </p:nvPicPr>
@@ -13504,7 +13450,7 @@
         </p:pic>
         <p:pic>
           <p:nvPicPr>
-            <p:cNvPr id="147" name="Google Shape;147;p29"/>
+            <p:cNvPr id="140" name="Google Shape;140;p29"/>
             <p:cNvPicPr preferRelativeResize="0"/>
             <p:nvPr/>
           </p:nvPicPr>
@@ -13533,7 +13479,7 @@
       </p:grpSp>
       <p:sp>
         <p:nvSpPr>
-          <p:cNvPr id="148" name="Google Shape;148;p29"/>
+          <p:cNvPr id="141" name="Google Shape;141;p29"/>
           <p:cNvSpPr txBox="1"/>
           <p:nvPr>
             <p:ph idx="1" type="body"/>
@@ -13715,7 +13661,7 @@
       </p:sp>
       <p:sp>
         <p:nvSpPr>
-          <p:cNvPr id="149" name="Google Shape;149;p29"/>
+          <p:cNvPr id="142" name="Google Shape;142;p29"/>
           <p:cNvSpPr txBox="1"/>
           <p:nvPr>
             <p:ph idx="1" type="body"/>
@@ -13923,7 +13869,7 @@
       </p:sp>
       <p:sp>
         <p:nvSpPr>
-          <p:cNvPr id="150" name="Google Shape;150;p29"/>
+          <p:cNvPr id="143" name="Google Shape;143;p29"/>
           <p:cNvSpPr txBox="1"/>
           <p:nvPr/>
         </p:nvSpPr>
@@ -13992,7 +13938,7 @@
   <p:cSld>
     <p:spTree>
       <p:nvGrpSpPr>
-        <p:cNvPr id="154" name="Shape 154"/>
+        <p:cNvPr id="147" name="Shape 147"/>
         <p:cNvGrpSpPr/>
         <p:nvPr/>
       </p:nvGrpSpPr>
@@ -14006,7 +13952,7 @@
       </p:grpSpPr>
       <p:sp>
         <p:nvSpPr>
-          <p:cNvPr id="155" name="Google Shape;155;p30"/>
+          <p:cNvPr id="148" name="Google Shape;148;p30"/>
           <p:cNvSpPr txBox="1"/>
           <p:nvPr>
             <p:ph idx="1" type="body"/>
@@ -14338,7 +14284,7 @@
       </p:sp>
       <p:sp>
         <p:nvSpPr>
-          <p:cNvPr id="156" name="Google Shape;156;p30"/>
+          <p:cNvPr id="149" name="Google Shape;149;p30"/>
           <p:cNvSpPr/>
           <p:nvPr/>
         </p:nvSpPr>
@@ -14381,7 +14327,7 @@
       </p:sp>
       <p:sp>
         <p:nvSpPr>
-          <p:cNvPr id="157" name="Google Shape;157;p30"/>
+          <p:cNvPr id="150" name="Google Shape;150;p30"/>
           <p:cNvSpPr txBox="1"/>
           <p:nvPr>
             <p:ph type="title"/>
@@ -14507,23 +14453,66 @@
           </a:p>
         </p:txBody>
       </p:sp>
+      <p:sp>
+        <p:nvSpPr>
+          <p:cNvPr id="151" name="Google Shape;151;p30"/>
+          <p:cNvSpPr/>
+          <p:nvPr/>
+        </p:nvSpPr>
+        <p:spPr>
+          <a:xfrm>
+            <a:off x="150" y="4773075"/>
+            <a:ext cx="9144000" cy="371400"/>
+          </a:xfrm>
+          <a:prstGeom prst="rect">
+            <a:avLst/>
+          </a:prstGeom>
+          <a:solidFill>
+            <a:srgbClr val="FFFFFF"/>
+          </a:solidFill>
+          <a:ln>
+            <a:noFill/>
+          </a:ln>
+        </p:spPr>
+        <p:txBody>
+          <a:bodyPr anchorCtr="0" anchor="ctr" bIns="91425" lIns="91425" spcFirstLastPara="1" rIns="91425" wrap="square" tIns="91425">
+            <a:noAutofit/>
+          </a:bodyPr>
+          <a:lstStyle/>
+          <a:p>
+            <a:pPr indent="0" lvl="0" marL="0" rtl="0" algn="l">
+              <a:spcBef>
+                <a:spcPts val="0"/>
+              </a:spcBef>
+              <a:spcAft>
+                <a:spcPts val="0"/>
+              </a:spcAft>
+              <a:buNone/>
+            </a:pPr>
+            <a:r>
+              <a:t/>
+            </a:r>
+            <a:endParaRPr/>
+          </a:p>
+        </p:txBody>
+      </p:sp>
       <p:grpSp>
         <p:nvGrpSpPr>
-          <p:cNvPr id="158" name="Google Shape;158;p30"/>
+          <p:cNvPr id="152" name="Google Shape;152;p30"/>
           <p:cNvGrpSpPr/>
           <p:nvPr/>
         </p:nvGrpSpPr>
         <p:grpSpPr>
           <a:xfrm>
-            <a:off x="6917336" y="4812275"/>
-            <a:ext cx="1613268" cy="288299"/>
-            <a:chOff x="805865" y="375582"/>
-            <a:chExt cx="4067745" cy="755700"/>
+            <a:off x="7462201" y="4812275"/>
+            <a:ext cx="1068401" cy="288301"/>
+            <a:chOff x="7462201" y="4812275"/>
+            <a:chExt cx="1068401" cy="288301"/>
           </a:xfrm>
         </p:grpSpPr>
         <p:pic>
           <p:nvPicPr>
-            <p:cNvPr id="159" name="Google Shape;159;p30"/>
+            <p:cNvPr id="153" name="Google Shape;153;p30"/>
             <p:cNvPicPr preferRelativeResize="0"/>
             <p:nvPr/>
           </p:nvPicPr>
@@ -14537,8 +14526,8 @@
           </p:blipFill>
           <p:spPr>
             <a:xfrm>
-              <a:off x="4029638" y="375582"/>
-              <a:ext cx="843973" cy="755700"/>
+              <a:off x="8195884" y="4812275"/>
+              <a:ext cx="334718" cy="288301"/>
             </a:xfrm>
             <a:prstGeom prst="rect">
               <a:avLst/>
@@ -14551,39 +14540,12 @@
         </p:pic>
         <p:pic>
           <p:nvPicPr>
-            <p:cNvPr id="160" name="Google Shape;160;p30"/>
-            <p:cNvPicPr preferRelativeResize="0"/>
-            <p:nvPr/>
-          </p:nvPicPr>
-          <p:blipFill rotWithShape="1">
-            <a:blip r:embed="rId4">
-              <a:alphaModFix/>
-            </a:blip>
-            <a:srcRect b="18507" l="13651" r="0" t="49643"/>
-            <a:stretch/>
-          </p:blipFill>
-          <p:spPr>
-            <a:xfrm>
-              <a:off x="2569425" y="544250"/>
-              <a:ext cx="1295350" cy="455700"/>
-            </a:xfrm>
-            <a:prstGeom prst="rect">
-              <a:avLst/>
-            </a:prstGeom>
-            <a:noFill/>
-            <a:ln>
-              <a:noFill/>
-            </a:ln>
-          </p:spPr>
-        </p:pic>
-        <p:pic>
-          <p:nvPicPr>
-            <p:cNvPr id="161" name="Google Shape;161;p30"/>
+            <p:cNvPr id="154" name="Google Shape;154;p30"/>
             <p:cNvPicPr preferRelativeResize="0"/>
             <p:nvPr/>
           </p:nvPicPr>
           <p:blipFill>
-            <a:blip r:embed="rId5">
+            <a:blip r:embed="rId4">
               <a:alphaModFix/>
             </a:blip>
             <a:stretch>
@@ -14592,8 +14554,8 @@
           </p:blipFill>
           <p:spPr>
             <a:xfrm>
-              <a:off x="805865" y="576415"/>
-              <a:ext cx="1522500" cy="372700"/>
+              <a:off x="7462201" y="4846024"/>
+              <a:ext cx="645825" cy="225525"/>
             </a:xfrm>
             <a:prstGeom prst="rect">
               <a:avLst/>
@@ -14618,7 +14580,7 @@
   <p:cSld>
     <p:spTree>
       <p:nvGrpSpPr>
-        <p:cNvPr id="165" name="Shape 165"/>
+        <p:cNvPr id="158" name="Shape 158"/>
         <p:cNvGrpSpPr/>
         <p:nvPr/>
       </p:nvGrpSpPr>
@@ -14632,7 +14594,7 @@
       </p:grpSpPr>
       <p:sp>
         <p:nvSpPr>
-          <p:cNvPr id="166" name="Google Shape;166;p31"/>
+          <p:cNvPr id="159" name="Google Shape;159;p31"/>
           <p:cNvSpPr txBox="1"/>
           <p:nvPr>
             <p:ph idx="1" type="body"/>
@@ -14694,7 +14656,7 @@
       </p:sp>
       <p:sp>
         <p:nvSpPr>
-          <p:cNvPr id="167" name="Google Shape;167;p31"/>
+          <p:cNvPr id="160" name="Google Shape;160;p31"/>
           <p:cNvSpPr/>
           <p:nvPr/>
         </p:nvSpPr>
@@ -14737,7 +14699,7 @@
       </p:sp>
       <p:grpSp>
         <p:nvGrpSpPr>
-          <p:cNvPr id="168" name="Google Shape;168;p31"/>
+          <p:cNvPr id="161" name="Google Shape;161;p31"/>
           <p:cNvGrpSpPr/>
           <p:nvPr/>
         </p:nvGrpSpPr>
@@ -14751,7 +14713,7 @@
         </p:grpSpPr>
         <p:pic>
           <p:nvPicPr>
-            <p:cNvPr id="169" name="Google Shape;169;p31"/>
+            <p:cNvPr id="162" name="Google Shape;162;p31"/>
             <p:cNvPicPr preferRelativeResize="0"/>
             <p:nvPr/>
           </p:nvPicPr>
@@ -14779,7 +14741,7 @@
         </p:pic>
         <p:pic>
           <p:nvPicPr>
-            <p:cNvPr id="170" name="Google Shape;170;p31"/>
+            <p:cNvPr id="163" name="Google Shape;163;p31"/>
             <p:cNvPicPr preferRelativeResize="0"/>
             <p:nvPr/>
           </p:nvPicPr>
@@ -14819,7 +14781,7 @@
   <p:cSld>
     <p:spTree>
       <p:nvGrpSpPr>
-        <p:cNvPr id="174" name="Shape 174"/>
+        <p:cNvPr id="167" name="Shape 167"/>
         <p:cNvGrpSpPr/>
         <p:nvPr/>
       </p:nvGrpSpPr>
@@ -14831,150 +14793,9 @@
           <a:chExt cx="0" cy="0"/>
         </a:xfrm>
       </p:grpSpPr>
-      <p:sp>
-        <p:nvSpPr>
-          <p:cNvPr id="175" name="Google Shape;175;p32"/>
-          <p:cNvSpPr/>
-          <p:nvPr/>
-        </p:nvSpPr>
-        <p:spPr>
-          <a:xfrm>
-            <a:off x="150" y="4773075"/>
-            <a:ext cx="9144000" cy="371400"/>
-          </a:xfrm>
-          <a:prstGeom prst="rect">
-            <a:avLst/>
-          </a:prstGeom>
-          <a:solidFill>
-            <a:srgbClr val="FFFFFF"/>
-          </a:solidFill>
-          <a:ln>
-            <a:noFill/>
-          </a:ln>
-        </p:spPr>
-        <p:txBody>
-          <a:bodyPr anchorCtr="0" anchor="ctr" bIns="91425" lIns="91425" spcFirstLastPara="1" rIns="91425" wrap="square" tIns="91425">
-            <a:noAutofit/>
-          </a:bodyPr>
-          <a:lstStyle/>
-          <a:p>
-            <a:pPr indent="0" lvl="0" marL="0" rtl="0" algn="l">
-              <a:spcBef>
-                <a:spcPts val="0"/>
-              </a:spcBef>
-              <a:spcAft>
-                <a:spcPts val="0"/>
-              </a:spcAft>
-              <a:buNone/>
-            </a:pPr>
-            <a:r>
-              <a:t/>
-            </a:r>
-            <a:endParaRPr/>
-          </a:p>
-        </p:txBody>
-      </p:sp>
-      <p:grpSp>
-        <p:nvGrpSpPr>
-          <p:cNvPr id="176" name="Google Shape;176;p32"/>
-          <p:cNvGrpSpPr/>
-          <p:nvPr/>
-        </p:nvGrpSpPr>
-        <p:grpSpPr>
-          <a:xfrm>
-            <a:off x="6917336" y="4812275"/>
-            <a:ext cx="1613268" cy="288299"/>
-            <a:chOff x="805865" y="375582"/>
-            <a:chExt cx="4067745" cy="755700"/>
-          </a:xfrm>
-        </p:grpSpPr>
-        <p:pic>
-          <p:nvPicPr>
-            <p:cNvPr id="177" name="Google Shape;177;p32"/>
-            <p:cNvPicPr preferRelativeResize="0"/>
-            <p:nvPr/>
-          </p:nvPicPr>
-          <p:blipFill>
-            <a:blip r:embed="rId3">
-              <a:alphaModFix/>
-            </a:blip>
-            <a:stretch>
-              <a:fillRect/>
-            </a:stretch>
-          </p:blipFill>
-          <p:spPr>
-            <a:xfrm>
-              <a:off x="4029638" y="375582"/>
-              <a:ext cx="843973" cy="755700"/>
-            </a:xfrm>
-            <a:prstGeom prst="rect">
-              <a:avLst/>
-            </a:prstGeom>
-            <a:noFill/>
-            <a:ln>
-              <a:noFill/>
-            </a:ln>
-          </p:spPr>
-        </p:pic>
-        <p:pic>
-          <p:nvPicPr>
-            <p:cNvPr id="178" name="Google Shape;178;p32"/>
-            <p:cNvPicPr preferRelativeResize="0"/>
-            <p:nvPr/>
-          </p:nvPicPr>
-          <p:blipFill rotWithShape="1">
-            <a:blip r:embed="rId4">
-              <a:alphaModFix/>
-            </a:blip>
-            <a:srcRect b="18507" l="13651" r="0" t="49643"/>
-            <a:stretch/>
-          </p:blipFill>
-          <p:spPr>
-            <a:xfrm>
-              <a:off x="2569425" y="544250"/>
-              <a:ext cx="1295350" cy="455700"/>
-            </a:xfrm>
-            <a:prstGeom prst="rect">
-              <a:avLst/>
-            </a:prstGeom>
-            <a:noFill/>
-            <a:ln>
-              <a:noFill/>
-            </a:ln>
-          </p:spPr>
-        </p:pic>
-        <p:pic>
-          <p:nvPicPr>
-            <p:cNvPr id="179" name="Google Shape;179;p32"/>
-            <p:cNvPicPr preferRelativeResize="0"/>
-            <p:nvPr/>
-          </p:nvPicPr>
-          <p:blipFill>
-            <a:blip r:embed="rId5">
-              <a:alphaModFix/>
-            </a:blip>
-            <a:stretch>
-              <a:fillRect/>
-            </a:stretch>
-          </p:blipFill>
-          <p:spPr>
-            <a:xfrm>
-              <a:off x="805865" y="576415"/>
-              <a:ext cx="1522500" cy="372700"/>
-            </a:xfrm>
-            <a:prstGeom prst="rect">
-              <a:avLst/>
-            </a:prstGeom>
-            <a:noFill/>
-            <a:ln>
-              <a:noFill/>
-            </a:ln>
-          </p:spPr>
-        </p:pic>
-      </p:grpSp>
       <p:graphicFrame>
         <p:nvGraphicFramePr>
-          <p:cNvPr id="180" name="Google Shape;180;p32"/>
+          <p:cNvPr id="168" name="Google Shape;168;p32"/>
           <p:cNvGraphicFramePr/>
           <p:nvPr/>
         </p:nvGraphicFramePr>
@@ -14987,7 +14808,7 @@
             <a:tbl>
               <a:tblPr>
                 <a:noFill/>
-                <a:tableStyleId>{1DED189A-0AAC-4C40-AA5D-8C4F1B2FDB30}</a:tableStyleId>
+                <a:tableStyleId>{144D2AFC-0D9B-46F9-AC12-A06F85372148}</a:tableStyleId>
               </a:tblPr>
               <a:tblGrid>
                 <a:gridCol w="1563575"/>
@@ -15512,7 +15333,7 @@
       </p:graphicFrame>
       <p:sp>
         <p:nvSpPr>
-          <p:cNvPr id="181" name="Google Shape;181;p32"/>
+          <p:cNvPr id="169" name="Google Shape;169;p32"/>
           <p:cNvSpPr txBox="1"/>
           <p:nvPr>
             <p:ph idx="1" type="body"/>
@@ -15569,6 +15390,120 @@
           </a:p>
         </p:txBody>
       </p:sp>
+      <p:sp>
+        <p:nvSpPr>
+          <p:cNvPr id="170" name="Google Shape;170;p32"/>
+          <p:cNvSpPr/>
+          <p:nvPr/>
+        </p:nvSpPr>
+        <p:spPr>
+          <a:xfrm>
+            <a:off x="150" y="4773075"/>
+            <a:ext cx="9144000" cy="371400"/>
+          </a:xfrm>
+          <a:prstGeom prst="rect">
+            <a:avLst/>
+          </a:prstGeom>
+          <a:solidFill>
+            <a:srgbClr val="FFFFFF"/>
+          </a:solidFill>
+          <a:ln>
+            <a:noFill/>
+          </a:ln>
+        </p:spPr>
+        <p:txBody>
+          <a:bodyPr anchorCtr="0" anchor="ctr" bIns="91425" lIns="91425" spcFirstLastPara="1" rIns="91425" wrap="square" tIns="91425">
+            <a:noAutofit/>
+          </a:bodyPr>
+          <a:lstStyle/>
+          <a:p>
+            <a:pPr indent="0" lvl="0" marL="0" rtl="0" algn="l">
+              <a:spcBef>
+                <a:spcPts val="0"/>
+              </a:spcBef>
+              <a:spcAft>
+                <a:spcPts val="0"/>
+              </a:spcAft>
+              <a:buNone/>
+            </a:pPr>
+            <a:r>
+              <a:t/>
+            </a:r>
+            <a:endParaRPr/>
+          </a:p>
+        </p:txBody>
+      </p:sp>
+      <p:grpSp>
+        <p:nvGrpSpPr>
+          <p:cNvPr id="171" name="Google Shape;171;p32"/>
+          <p:cNvGrpSpPr/>
+          <p:nvPr/>
+        </p:nvGrpSpPr>
+        <p:grpSpPr>
+          <a:xfrm>
+            <a:off x="7462201" y="4812275"/>
+            <a:ext cx="1068401" cy="288301"/>
+            <a:chOff x="7462201" y="4812275"/>
+            <a:chExt cx="1068401" cy="288301"/>
+          </a:xfrm>
+        </p:grpSpPr>
+        <p:pic>
+          <p:nvPicPr>
+            <p:cNvPr id="172" name="Google Shape;172;p32"/>
+            <p:cNvPicPr preferRelativeResize="0"/>
+            <p:nvPr/>
+          </p:nvPicPr>
+          <p:blipFill>
+            <a:blip r:embed="rId3">
+              <a:alphaModFix/>
+            </a:blip>
+            <a:stretch>
+              <a:fillRect/>
+            </a:stretch>
+          </p:blipFill>
+          <p:spPr>
+            <a:xfrm>
+              <a:off x="8195884" y="4812275"/>
+              <a:ext cx="334718" cy="288301"/>
+            </a:xfrm>
+            <a:prstGeom prst="rect">
+              <a:avLst/>
+            </a:prstGeom>
+            <a:noFill/>
+            <a:ln>
+              <a:noFill/>
+            </a:ln>
+          </p:spPr>
+        </p:pic>
+        <p:pic>
+          <p:nvPicPr>
+            <p:cNvPr id="173" name="Google Shape;173;p32"/>
+            <p:cNvPicPr preferRelativeResize="0"/>
+            <p:nvPr/>
+          </p:nvPicPr>
+          <p:blipFill>
+            <a:blip r:embed="rId4">
+              <a:alphaModFix/>
+            </a:blip>
+            <a:stretch>
+              <a:fillRect/>
+            </a:stretch>
+          </p:blipFill>
+          <p:spPr>
+            <a:xfrm>
+              <a:off x="7462201" y="4846024"/>
+              <a:ext cx="645825" cy="225525"/>
+            </a:xfrm>
+            <a:prstGeom prst="rect">
+              <a:avLst/>
+            </a:prstGeom>
+            <a:noFill/>
+            <a:ln>
+              <a:noFill/>
+            </a:ln>
+          </p:spPr>
+        </p:pic>
+      </p:grpSp>
     </p:spTree>
   </p:cSld>
   <p:clrMapOvr>
@@ -15582,7 +15517,7 @@
   <p:cSld>
     <p:spTree>
       <p:nvGrpSpPr>
-        <p:cNvPr id="185" name="Shape 185"/>
+        <p:cNvPr id="177" name="Shape 177"/>
         <p:cNvGrpSpPr/>
         <p:nvPr/>
       </p:nvGrpSpPr>
@@ -15596,7 +15531,7 @@
       </p:grpSpPr>
       <p:sp>
         <p:nvSpPr>
-          <p:cNvPr id="186" name="Google Shape;186;p33"/>
+          <p:cNvPr id="178" name="Google Shape;178;p33"/>
           <p:cNvSpPr txBox="1"/>
           <p:nvPr>
             <p:ph idx="1" type="body"/>
@@ -15716,7 +15651,7 @@
       </p:sp>
       <p:sp>
         <p:nvSpPr>
-          <p:cNvPr id="187" name="Google Shape;187;p33"/>
+          <p:cNvPr id="179" name="Google Shape;179;p33"/>
           <p:cNvSpPr/>
           <p:nvPr/>
         </p:nvSpPr>
@@ -15759,7 +15694,7 @@
       </p:sp>
       <p:grpSp>
         <p:nvGrpSpPr>
-          <p:cNvPr id="188" name="Google Shape;188;p33"/>
+          <p:cNvPr id="180" name="Google Shape;180;p33"/>
           <p:cNvGrpSpPr/>
           <p:nvPr/>
         </p:nvGrpSpPr>
@@ -15773,7 +15708,7 @@
         </p:grpSpPr>
         <p:pic>
           <p:nvPicPr>
-            <p:cNvPr id="189" name="Google Shape;189;p33"/>
+            <p:cNvPr id="181" name="Google Shape;181;p33"/>
             <p:cNvPicPr preferRelativeResize="0"/>
             <p:nvPr/>
           </p:nvPicPr>
@@ -15801,7 +15736,7 @@
         </p:pic>
         <p:pic>
           <p:nvPicPr>
-            <p:cNvPr id="190" name="Google Shape;190;p33"/>
+            <p:cNvPr id="182" name="Google Shape;182;p33"/>
             <p:cNvPicPr preferRelativeResize="0"/>
             <p:nvPr/>
           </p:nvPicPr>
@@ -16116,6 +16051,285 @@
 </file>
 
 <file path=ppt/theme/theme2.xml><?xml version="1.0" encoding="utf-8"?>
+<a:theme xmlns:a="http://schemas.openxmlformats.org/drawingml/2006/main" xmlns:r="http://schemas.openxmlformats.org/officeDocument/2006/relationships" name="Simple Light">
+  <a:themeElements>
+    <a:clrScheme name="Simple Light">
+      <a:dk1>
+        <a:srgbClr val="000000"/>
+      </a:dk1>
+      <a:lt1>
+        <a:srgbClr val="FFFFFF"/>
+      </a:lt1>
+      <a:dk2>
+        <a:srgbClr val="595959"/>
+      </a:dk2>
+      <a:lt2>
+        <a:srgbClr val="EEEEEE"/>
+      </a:lt2>
+      <a:accent1>
+        <a:srgbClr val="FFAB40"/>
+      </a:accent1>
+      <a:accent2>
+        <a:srgbClr val="212121"/>
+      </a:accent2>
+      <a:accent3>
+        <a:srgbClr val="78909C"/>
+      </a:accent3>
+      <a:accent4>
+        <a:srgbClr val="FFAB40"/>
+      </a:accent4>
+      <a:accent5>
+        <a:srgbClr val="0097A7"/>
+      </a:accent5>
+      <a:accent6>
+        <a:srgbClr val="EEFF41"/>
+      </a:accent6>
+      <a:hlink>
+        <a:srgbClr val="0097A7"/>
+      </a:hlink>
+      <a:folHlink>
+        <a:srgbClr val="0097A7"/>
+      </a:folHlink>
+    </a:clrScheme>
+    <a:fontScheme name="Office">
+      <a:majorFont>
+        <a:latin typeface="Arial"/>
+        <a:ea typeface=""/>
+        <a:cs typeface=""/>
+        <a:font script="Jpan" typeface="ＭＳ Ｐゴシック"/>
+        <a:font script="Hang" typeface="맑은 고딕"/>
+        <a:font script="Hans" typeface="宋体"/>
+        <a:font script="Hant" typeface="新細明體"/>
+        <a:font script="Arab" typeface="Times New Roman"/>
+        <a:font script="Hebr" typeface="Times New Roman"/>
+        <a:font script="Thai" typeface="Angsana New"/>
+        <a:font script="Ethi" typeface="Nyala"/>
+        <a:font script="Beng" typeface="Vrinda"/>
+        <a:font script="Gujr" typeface="Shruti"/>
+        <a:font script="Khmr" typeface="MoolBoran"/>
+        <a:font script="Knda" typeface="Tunga"/>
+        <a:font script="Guru" typeface="Raavi"/>
+        <a:font script="Cans" typeface="Euphemia"/>
+        <a:font script="Cher" typeface="Plantagenet Cherokee"/>
+        <a:font script="Yiii" typeface="Microsoft Yi Baiti"/>
+        <a:font script="Tibt" typeface="Microsoft Himalaya"/>
+        <a:font script="Thaa" typeface="MV Boli"/>
+        <a:font script="Deva" typeface="Mangal"/>
+        <a:font script="Telu" typeface="Gautami"/>
+        <a:font script="Taml" typeface="Latha"/>
+        <a:font script="Syrc" typeface="Estrangelo Edessa"/>
+        <a:font script="Orya" typeface="Kalinga"/>
+        <a:font script="Mlym" typeface="Kartika"/>
+        <a:font script="Laoo" typeface="DokChampa"/>
+        <a:font script="Sinh" typeface="Iskoola Pota"/>
+        <a:font script="Mong" typeface="Mongolian Baiti"/>
+        <a:font script="Viet" typeface="Times New Roman"/>
+        <a:font script="Uigh" typeface="Microsoft Uighur"/>
+        <a:font script="Geor" typeface="Sylfaen"/>
+      </a:majorFont>
+      <a:minorFont>
+        <a:latin typeface="Arial"/>
+        <a:ea typeface=""/>
+        <a:cs typeface=""/>
+        <a:font script="Jpan" typeface="ＭＳ Ｐゴシック"/>
+        <a:font script="Hang" typeface="맑은 고딕"/>
+        <a:font script="Hans" typeface="宋体"/>
+        <a:font script="Hant" typeface="新細明體"/>
+        <a:font script="Arab" typeface="Arial"/>
+        <a:font script="Hebr" typeface="Arial"/>
+        <a:font script="Thai" typeface="Cordia New"/>
+        <a:font script="Ethi" typeface="Nyala"/>
+        <a:font script="Beng" typeface="Vrinda"/>
+        <a:font script="Gujr" typeface="Shruti"/>
+        <a:font script="Khmr" typeface="DaunPenh"/>
+        <a:font script="Knda" typeface="Tunga"/>
+        <a:font script="Guru" typeface="Raavi"/>
+        <a:font script="Cans" typeface="Euphemia"/>
+        <a:font script="Cher" typeface="Plantagenet Cherokee"/>
+        <a:font script="Yiii" typeface="Microsoft Yi Baiti"/>
+        <a:font script="Tibt" typeface="Microsoft Himalaya"/>
+        <a:font script="Thaa" typeface="MV Boli"/>
+        <a:font script="Deva" typeface="Mangal"/>
+        <a:font script="Telu" typeface="Gautami"/>
+        <a:font script="Taml" typeface="Latha"/>
+        <a:font script="Syrc" typeface="Estrangelo Edessa"/>
+        <a:font script="Orya" typeface="Kalinga"/>
+        <a:font script="Mlym" typeface="Kartika"/>
+        <a:font script="Laoo" typeface="DokChampa"/>
+        <a:font script="Sinh" typeface="Iskoola Pota"/>
+        <a:font script="Mong" typeface="Mongolian Baiti"/>
+        <a:font script="Viet" typeface="Arial"/>
+        <a:font script="Uigh" typeface="Microsoft Uighur"/>
+        <a:font script="Geor" typeface="Sylfaen"/>
+      </a:minorFont>
+    </a:fontScheme>
+    <a:fmtScheme name="Office">
+      <a:fillStyleLst>
+        <a:solidFill>
+          <a:schemeClr val="phClr"/>
+        </a:solidFill>
+        <a:gradFill rotWithShape="1">
+          <a:gsLst>
+            <a:gs pos="0">
+              <a:schemeClr val="phClr">
+                <a:tint val="50000"/>
+                <a:satMod val="300000"/>
+              </a:schemeClr>
+            </a:gs>
+            <a:gs pos="35000">
+              <a:schemeClr val="phClr">
+                <a:tint val="37000"/>
+                <a:satMod val="300000"/>
+              </a:schemeClr>
+            </a:gs>
+            <a:gs pos="100000">
+              <a:schemeClr val="phClr">
+                <a:tint val="15000"/>
+                <a:satMod val="350000"/>
+              </a:schemeClr>
+            </a:gs>
+          </a:gsLst>
+          <a:lin ang="16200000" scaled="1"/>
+        </a:gradFill>
+        <a:gradFill rotWithShape="1">
+          <a:gsLst>
+            <a:gs pos="0">
+              <a:schemeClr val="phClr">
+                <a:tint val="100000"/>
+                <a:shade val="100000"/>
+                <a:satMod val="130000"/>
+              </a:schemeClr>
+            </a:gs>
+            <a:gs pos="100000">
+              <a:schemeClr val="phClr">
+                <a:tint val="50000"/>
+                <a:shade val="100000"/>
+                <a:satMod val="350000"/>
+              </a:schemeClr>
+            </a:gs>
+          </a:gsLst>
+          <a:lin ang="16200000" scaled="0"/>
+        </a:gradFill>
+      </a:fillStyleLst>
+      <a:lnStyleLst>
+        <a:ln w="9525" cap="flat" cmpd="sng" algn="ctr">
+          <a:solidFill>
+            <a:schemeClr val="phClr">
+              <a:shade val="95000"/>
+              <a:satMod val="105000"/>
+            </a:schemeClr>
+          </a:solidFill>
+          <a:prstDash val="solid"/>
+        </a:ln>
+        <a:ln w="25400" cap="flat" cmpd="sng" algn="ctr">
+          <a:solidFill>
+            <a:schemeClr val="phClr"/>
+          </a:solidFill>
+          <a:prstDash val="solid"/>
+        </a:ln>
+        <a:ln w="38100" cap="flat" cmpd="sng" algn="ctr">
+          <a:solidFill>
+            <a:schemeClr val="phClr"/>
+          </a:solidFill>
+          <a:prstDash val="solid"/>
+        </a:ln>
+      </a:lnStyleLst>
+      <a:effectStyleLst>
+        <a:effectStyle>
+          <a:effectLst>
+            <a:outerShdw blurRad="40000" dist="20000" dir="5400000" rotWithShape="0">
+              <a:srgbClr val="000000">
+                <a:alpha val="38000"/>
+              </a:srgbClr>
+            </a:outerShdw>
+          </a:effectLst>
+        </a:effectStyle>
+        <a:effectStyle>
+          <a:effectLst>
+            <a:outerShdw blurRad="40000" dist="23000" dir="5400000" rotWithShape="0">
+              <a:srgbClr val="000000">
+                <a:alpha val="35000"/>
+              </a:srgbClr>
+            </a:outerShdw>
+          </a:effectLst>
+        </a:effectStyle>
+        <a:effectStyle>
+          <a:effectLst>
+            <a:outerShdw blurRad="40000" dist="23000" dir="5400000" rotWithShape="0">
+              <a:srgbClr val="000000">
+                <a:alpha val="35000"/>
+              </a:srgbClr>
+            </a:outerShdw>
+          </a:effectLst>
+          <a:scene3d>
+            <a:camera prst="orthographicFront">
+              <a:rot lat="0" lon="0" rev="0"/>
+            </a:camera>
+            <a:lightRig rig="threePt" dir="t">
+              <a:rot lat="0" lon="0" rev="1200000"/>
+            </a:lightRig>
+          </a:scene3d>
+          <a:sp3d>
+            <a:bevelT w="63500" h="25400"/>
+          </a:sp3d>
+        </a:effectStyle>
+      </a:effectStyleLst>
+      <a:bgFillStyleLst>
+        <a:solidFill>
+          <a:schemeClr val="phClr"/>
+        </a:solidFill>
+        <a:gradFill rotWithShape="1">
+          <a:gsLst>
+            <a:gs pos="0">
+              <a:schemeClr val="phClr">
+                <a:tint val="40000"/>
+                <a:satMod val="350000"/>
+              </a:schemeClr>
+            </a:gs>
+            <a:gs pos="40000">
+              <a:schemeClr val="phClr">
+                <a:tint val="45000"/>
+                <a:shade val="99000"/>
+                <a:satMod val="350000"/>
+              </a:schemeClr>
+            </a:gs>
+            <a:gs pos="100000">
+              <a:schemeClr val="phClr">
+                <a:shade val="20000"/>
+                <a:satMod val="255000"/>
+              </a:schemeClr>
+            </a:gs>
+          </a:gsLst>
+          <a:path path="circle">
+            <a:fillToRect l="50000" t="-80000" r="50000" b="180000"/>
+          </a:path>
+        </a:gradFill>
+        <a:gradFill rotWithShape="1">
+          <a:gsLst>
+            <a:gs pos="0">
+              <a:schemeClr val="phClr">
+                <a:tint val="80000"/>
+                <a:satMod val="300000"/>
+              </a:schemeClr>
+            </a:gs>
+            <a:gs pos="100000">
+              <a:schemeClr val="phClr">
+                <a:shade val="30000"/>
+                <a:satMod val="200000"/>
+              </a:schemeClr>
+            </a:gs>
+          </a:gsLst>
+          <a:path path="circle">
+            <a:fillToRect l="50000" t="50000" r="50000" b="50000"/>
+          </a:path>
+        </a:gradFill>
+      </a:bgFillStyleLst>
+    </a:fmtScheme>
+  </a:themeElements>
+</a:theme>
+</file>
+
+<file path=ppt/theme/theme3.xml><?xml version="1.0" encoding="utf-8"?>
 <a:theme xmlns:a="http://schemas.openxmlformats.org/drawingml/2006/main" xmlns:r="http://schemas.openxmlformats.org/officeDocument/2006/relationships">
   <a:themeElements>
     <a:clrScheme name="Default">
@@ -16392,283 +16606,4 @@
     </a:fmtScheme>
   </a:themeElements>
 </a:theme>
-</file>
-
-<file path=ppt/theme/theme3.xml><?xml version="1.0" encoding="utf-8"?>
-<a:theme xmlns:a="http://schemas.openxmlformats.org/drawingml/2006/main" xmlns:r="http://schemas.openxmlformats.org/officeDocument/2006/relationships" name="Simple Light">
-  <a:themeElements>
-    <a:clrScheme name="Simple Light">
-      <a:dk1>
-        <a:srgbClr val="000000"/>
-      </a:dk1>
-      <a:lt1>
-        <a:srgbClr val="FFFFFF"/>
-      </a:lt1>
-      <a:dk2>
-        <a:srgbClr val="595959"/>
-      </a:dk2>
-      <a:lt2>
-        <a:srgbClr val="EEEEEE"/>
-      </a:lt2>
-      <a:accent1>
-        <a:srgbClr val="FFAB40"/>
-      </a:accent1>
-      <a:accent2>
-        <a:srgbClr val="212121"/>
-      </a:accent2>
-      <a:accent3>
-        <a:srgbClr val="78909C"/>
-      </a:accent3>
-      <a:accent4>
-        <a:srgbClr val="FFAB40"/>
-      </a:accent4>
-      <a:accent5>
-        <a:srgbClr val="0097A7"/>
-      </a:accent5>
-      <a:accent6>
-        <a:srgbClr val="EEFF41"/>
-      </a:accent6>
-      <a:hlink>
-        <a:srgbClr val="0097A7"/>
-      </a:hlink>
-      <a:folHlink>
-        <a:srgbClr val="0097A7"/>
-      </a:folHlink>
-    </a:clrScheme>
-    <a:fontScheme name="Office">
-      <a:majorFont>
-        <a:latin typeface="Arial"/>
-        <a:ea typeface=""/>
-        <a:cs typeface=""/>
-        <a:font script="Jpan" typeface="ＭＳ Ｐゴシック"/>
-        <a:font script="Hang" typeface="맑은 고딕"/>
-        <a:font script="Hans" typeface="宋体"/>
-        <a:font script="Hant" typeface="新細明體"/>
-        <a:font script="Arab" typeface="Times New Roman"/>
-        <a:font script="Hebr" typeface="Times New Roman"/>
-        <a:font script="Thai" typeface="Angsana New"/>
-        <a:font script="Ethi" typeface="Nyala"/>
-        <a:font script="Beng" typeface="Vrinda"/>
-        <a:font script="Gujr" typeface="Shruti"/>
-        <a:font script="Khmr" typeface="MoolBoran"/>
-        <a:font script="Knda" typeface="Tunga"/>
-        <a:font script="Guru" typeface="Raavi"/>
-        <a:font script="Cans" typeface="Euphemia"/>
-        <a:font script="Cher" typeface="Plantagenet Cherokee"/>
-        <a:font script="Yiii" typeface="Microsoft Yi Baiti"/>
-        <a:font script="Tibt" typeface="Microsoft Himalaya"/>
-        <a:font script="Thaa" typeface="MV Boli"/>
-        <a:font script="Deva" typeface="Mangal"/>
-        <a:font script="Telu" typeface="Gautami"/>
-        <a:font script="Taml" typeface="Latha"/>
-        <a:font script="Syrc" typeface="Estrangelo Edessa"/>
-        <a:font script="Orya" typeface="Kalinga"/>
-        <a:font script="Mlym" typeface="Kartika"/>
-        <a:font script="Laoo" typeface="DokChampa"/>
-        <a:font script="Sinh" typeface="Iskoola Pota"/>
-        <a:font script="Mong" typeface="Mongolian Baiti"/>
-        <a:font script="Viet" typeface="Times New Roman"/>
-        <a:font script="Uigh" typeface="Microsoft Uighur"/>
-        <a:font script="Geor" typeface="Sylfaen"/>
-      </a:majorFont>
-      <a:minorFont>
-        <a:latin typeface="Arial"/>
-        <a:ea typeface=""/>
-        <a:cs typeface=""/>
-        <a:font script="Jpan" typeface="ＭＳ Ｐゴシック"/>
-        <a:font script="Hang" typeface="맑은 고딕"/>
-        <a:font script="Hans" typeface="宋体"/>
-        <a:font script="Hant" typeface="新細明體"/>
-        <a:font script="Arab" typeface="Arial"/>
-        <a:font script="Hebr" typeface="Arial"/>
-        <a:font script="Thai" typeface="Cordia New"/>
-        <a:font script="Ethi" typeface="Nyala"/>
-        <a:font script="Beng" typeface="Vrinda"/>
-        <a:font script="Gujr" typeface="Shruti"/>
-        <a:font script="Khmr" typeface="DaunPenh"/>
-        <a:font script="Knda" typeface="Tunga"/>
-        <a:font script="Guru" typeface="Raavi"/>
-        <a:font script="Cans" typeface="Euphemia"/>
-        <a:font script="Cher" typeface="Plantagenet Cherokee"/>
-        <a:font script="Yiii" typeface="Microsoft Yi Baiti"/>
-        <a:font script="Tibt" typeface="Microsoft Himalaya"/>
-        <a:font script="Thaa" typeface="MV Boli"/>
-        <a:font script="Deva" typeface="Mangal"/>
-        <a:font script="Telu" typeface="Gautami"/>
-        <a:font script="Taml" typeface="Latha"/>
-        <a:font script="Syrc" typeface="Estrangelo Edessa"/>
-        <a:font script="Orya" typeface="Kalinga"/>
-        <a:font script="Mlym" typeface="Kartika"/>
-        <a:font script="Laoo" typeface="DokChampa"/>
-        <a:font script="Sinh" typeface="Iskoola Pota"/>
-        <a:font script="Mong" typeface="Mongolian Baiti"/>
-        <a:font script="Viet" typeface="Arial"/>
-        <a:font script="Uigh" typeface="Microsoft Uighur"/>
-        <a:font script="Geor" typeface="Sylfaen"/>
-      </a:minorFont>
-    </a:fontScheme>
-    <a:fmtScheme name="Office">
-      <a:fillStyleLst>
-        <a:solidFill>
-          <a:schemeClr val="phClr"/>
-        </a:solidFill>
-        <a:gradFill rotWithShape="1">
-          <a:gsLst>
-            <a:gs pos="0">
-              <a:schemeClr val="phClr">
-                <a:tint val="50000"/>
-                <a:satMod val="300000"/>
-              </a:schemeClr>
-            </a:gs>
-            <a:gs pos="35000">
-              <a:schemeClr val="phClr">
-                <a:tint val="37000"/>
-                <a:satMod val="300000"/>
-              </a:schemeClr>
-            </a:gs>
-            <a:gs pos="100000">
-              <a:schemeClr val="phClr">
-                <a:tint val="15000"/>
-                <a:satMod val="350000"/>
-              </a:schemeClr>
-            </a:gs>
-          </a:gsLst>
-          <a:lin ang="16200000" scaled="1"/>
-        </a:gradFill>
-        <a:gradFill rotWithShape="1">
-          <a:gsLst>
-            <a:gs pos="0">
-              <a:schemeClr val="phClr">
-                <a:tint val="100000"/>
-                <a:shade val="100000"/>
-                <a:satMod val="130000"/>
-              </a:schemeClr>
-            </a:gs>
-            <a:gs pos="100000">
-              <a:schemeClr val="phClr">
-                <a:tint val="50000"/>
-                <a:shade val="100000"/>
-                <a:satMod val="350000"/>
-              </a:schemeClr>
-            </a:gs>
-          </a:gsLst>
-          <a:lin ang="16200000" scaled="0"/>
-        </a:gradFill>
-      </a:fillStyleLst>
-      <a:lnStyleLst>
-        <a:ln w="9525" cap="flat" cmpd="sng" algn="ctr">
-          <a:solidFill>
-            <a:schemeClr val="phClr">
-              <a:shade val="95000"/>
-              <a:satMod val="105000"/>
-            </a:schemeClr>
-          </a:solidFill>
-          <a:prstDash val="solid"/>
-        </a:ln>
-        <a:ln w="25400" cap="flat" cmpd="sng" algn="ctr">
-          <a:solidFill>
-            <a:schemeClr val="phClr"/>
-          </a:solidFill>
-          <a:prstDash val="solid"/>
-        </a:ln>
-        <a:ln w="38100" cap="flat" cmpd="sng" algn="ctr">
-          <a:solidFill>
-            <a:schemeClr val="phClr"/>
-          </a:solidFill>
-          <a:prstDash val="solid"/>
-        </a:ln>
-      </a:lnStyleLst>
-      <a:effectStyleLst>
-        <a:effectStyle>
-          <a:effectLst>
-            <a:outerShdw blurRad="40000" dist="20000" dir="5400000" rotWithShape="0">
-              <a:srgbClr val="000000">
-                <a:alpha val="38000"/>
-              </a:srgbClr>
-            </a:outerShdw>
-          </a:effectLst>
-        </a:effectStyle>
-        <a:effectStyle>
-          <a:effectLst>
-            <a:outerShdw blurRad="40000" dist="23000" dir="5400000" rotWithShape="0">
-              <a:srgbClr val="000000">
-                <a:alpha val="35000"/>
-              </a:srgbClr>
-            </a:outerShdw>
-          </a:effectLst>
-        </a:effectStyle>
-        <a:effectStyle>
-          <a:effectLst>
-            <a:outerShdw blurRad="40000" dist="23000" dir="5400000" rotWithShape="0">
-              <a:srgbClr val="000000">
-                <a:alpha val="35000"/>
-              </a:srgbClr>
-            </a:outerShdw>
-          </a:effectLst>
-          <a:scene3d>
-            <a:camera prst="orthographicFront">
-              <a:rot lat="0" lon="0" rev="0"/>
-            </a:camera>
-            <a:lightRig rig="threePt" dir="t">
-              <a:rot lat="0" lon="0" rev="1200000"/>
-            </a:lightRig>
-          </a:scene3d>
-          <a:sp3d>
-            <a:bevelT w="63500" h="25400"/>
-          </a:sp3d>
-        </a:effectStyle>
-      </a:effectStyleLst>
-      <a:bgFillStyleLst>
-        <a:solidFill>
-          <a:schemeClr val="phClr"/>
-        </a:solidFill>
-        <a:gradFill rotWithShape="1">
-          <a:gsLst>
-            <a:gs pos="0">
-              <a:schemeClr val="phClr">
-                <a:tint val="40000"/>
-                <a:satMod val="350000"/>
-              </a:schemeClr>
-            </a:gs>
-            <a:gs pos="40000">
-              <a:schemeClr val="phClr">
-                <a:tint val="45000"/>
-                <a:shade val="99000"/>
-                <a:satMod val="350000"/>
-              </a:schemeClr>
-            </a:gs>
-            <a:gs pos="100000">
-              <a:schemeClr val="phClr">
-                <a:shade val="20000"/>
-                <a:satMod val="255000"/>
-              </a:schemeClr>
-            </a:gs>
-          </a:gsLst>
-          <a:path path="circle">
-            <a:fillToRect l="50000" t="-80000" r="50000" b="180000"/>
-          </a:path>
-        </a:gradFill>
-        <a:gradFill rotWithShape="1">
-          <a:gsLst>
-            <a:gs pos="0">
-              <a:schemeClr val="phClr">
-                <a:tint val="80000"/>
-                <a:satMod val="300000"/>
-              </a:schemeClr>
-            </a:gs>
-            <a:gs pos="100000">
-              <a:schemeClr val="phClr">
-                <a:shade val="30000"/>
-                <a:satMod val="200000"/>
-              </a:schemeClr>
-            </a:gs>
-          </a:gsLst>
-          <a:path path="circle">
-            <a:fillToRect l="50000" t="50000" r="50000" b="50000"/>
-          </a:path>
-        </a:gradFill>
-      </a:bgFillStyleLst>
-    </a:fmtScheme>
-  </a:themeElements>
-</a:theme>
 </file>